--- a/docs/EffectiveTeams.pptx
+++ b/docs/EffectiveTeams.pptx
@@ -5,20 +5,22 @@
     <p:sldMasterId id="2147483648" r:id="rId1"/>
   </p:sldMasterIdLst>
   <p:notesMasterIdLst>
-    <p:notesMasterId r:id="rId13"/>
+    <p:notesMasterId r:id="rId15"/>
   </p:notesMasterIdLst>
   <p:sldIdLst>
     <p:sldId id="256" r:id="rId2"/>
     <p:sldId id="262" r:id="rId3"/>
     <p:sldId id="273" r:id="rId4"/>
     <p:sldId id="264" r:id="rId5"/>
-    <p:sldId id="272" r:id="rId6"/>
-    <p:sldId id="265" r:id="rId7"/>
-    <p:sldId id="266" r:id="rId8"/>
-    <p:sldId id="267" r:id="rId9"/>
-    <p:sldId id="268" r:id="rId10"/>
-    <p:sldId id="269" r:id="rId11"/>
-    <p:sldId id="271" r:id="rId12"/>
+    <p:sldId id="274" r:id="rId6"/>
+    <p:sldId id="272" r:id="rId7"/>
+    <p:sldId id="275" r:id="rId8"/>
+    <p:sldId id="265" r:id="rId9"/>
+    <p:sldId id="266" r:id="rId10"/>
+    <p:sldId id="267" r:id="rId11"/>
+    <p:sldId id="268" r:id="rId12"/>
+    <p:sldId id="269" r:id="rId13"/>
+    <p:sldId id="271" r:id="rId14"/>
   </p:sldIdLst>
   <p:sldSz cx="9144000" cy="6858000" type="screen4x3"/>
   <p:notesSz cx="6858000" cy="9144000"/>
@@ -117,6 +119,22 @@
       </a:defRPr>
     </a:lvl9pPr>
   </p:defaultTextStyle>
+  <p:extLst>
+    <p:ext uri="{EFAFB233-063F-42B5-8137-9DF3F51BA10A}">
+      <p15:sldGuideLst xmlns:p15="http://schemas.microsoft.com/office/powerpoint/2012/main">
+        <p15:guide id="1" orient="horz" pos="2160">
+          <p15:clr>
+            <a:srgbClr val="A4A3A4"/>
+          </p15:clr>
+        </p15:guide>
+        <p15:guide id="2" pos="2880">
+          <p15:clr>
+            <a:srgbClr val="A4A3A4"/>
+          </p15:clr>
+        </p15:guide>
+      </p15:sldGuideLst>
+    </p:ext>
+  </p:extLst>
 </p:presentation>
 </file>
 
@@ -202,7 +220,7 @@
           <a:p>
             <a:fld id="{57F4D131-D7A2-4752-AA0C-AC9D9413A4AE}" type="datetimeFigureOut">
               <a:rPr lang="en-GB" smtClean="0"/>
-              <a:t>11/03/2019</a:t>
+              <a:t>15/03/2019</a:t>
             </a:fld>
             <a:endParaRPr lang="en-GB"/>
           </a:p>
@@ -266,35 +284,35 @@
           <a:p>
             <a:pPr lvl="0"/>
             <a:r>
-              <a:rPr lang="en-US" smtClean="0"/>
+              <a:rPr lang="en-US"/>
               <a:t>Click to edit Master text styles</a:t>
             </a:r>
           </a:p>
           <a:p>
             <a:pPr lvl="1"/>
             <a:r>
-              <a:rPr lang="en-US" smtClean="0"/>
+              <a:rPr lang="en-US"/>
               <a:t>Second level</a:t>
             </a:r>
           </a:p>
           <a:p>
             <a:pPr lvl="2"/>
             <a:r>
-              <a:rPr lang="en-US" smtClean="0"/>
+              <a:rPr lang="en-US"/>
               <a:t>Third level</a:t>
             </a:r>
           </a:p>
           <a:p>
             <a:pPr lvl="3"/>
             <a:r>
-              <a:rPr lang="en-US" smtClean="0"/>
+              <a:rPr lang="en-US"/>
               <a:t>Fourth level</a:t>
             </a:r>
           </a:p>
           <a:p>
             <a:pPr lvl="4"/>
             <a:r>
-              <a:rPr lang="en-US" smtClean="0"/>
+              <a:rPr lang="en-US"/>
               <a:t>Fifth level</a:t>
             </a:r>
             <a:endParaRPr lang="en-GB"/>
@@ -599,7 +617,7 @@
           <a:lstStyle/>
           <a:p>
             <a:r>
-              <a:rPr lang="en-US" sz="1200" b="0" i="0" u="none" strike="noStrike" kern="1200" dirty="0" smtClean="0">
+              <a:rPr lang="en-US" sz="1200" b="0" i="0" u="none" strike="noStrike" kern="1200" dirty="0">
                 <a:solidFill>
                   <a:schemeClr val="tx1"/>
                 </a:solidFill>
@@ -610,165 +628,165 @@
               </a:rPr>
               <a:t>The forming–storming–norming–performing model of group development was first proposed by Bruce Tuckman in 1965, who said that these phases are all necessary and inevitable in order for the team to grow, face up to challenges, tackle problems, find solutions, plan work, and deliver results.</a:t>
             </a:r>
-            <a:endParaRPr lang="en-GB" dirty="0" smtClean="0"/>
-          </a:p>
-          <a:p>
-            <a:endParaRPr lang="en-GB" dirty="0" smtClean="0"/>
-          </a:p>
-          <a:p>
-            <a:r>
-              <a:rPr lang="en-GB" dirty="0" smtClean="0"/>
+            <a:endParaRPr lang="en-GB" dirty="0"/>
+          </a:p>
+          <a:p>
+            <a:endParaRPr lang="en-GB" dirty="0"/>
+          </a:p>
+          <a:p>
+            <a:r>
+              <a:rPr lang="en-GB" dirty="0"/>
               <a:t>Forming</a:t>
             </a:r>
           </a:p>
           <a:p>
             <a:r>
-              <a:rPr lang="en-GB" dirty="0" smtClean="0"/>
+              <a:rPr lang="en-GB" dirty="0"/>
               <a:t>Little agreement</a:t>
             </a:r>
           </a:p>
           <a:p>
             <a:r>
-              <a:rPr lang="en-GB" dirty="0" smtClean="0"/>
+              <a:rPr lang="en-GB" dirty="0"/>
               <a:t>Unclear</a:t>
             </a:r>
             <a:r>
-              <a:rPr lang="en-GB" baseline="0" dirty="0" smtClean="0"/>
+              <a:rPr lang="en-GB" baseline="0" dirty="0"/>
               <a:t> </a:t>
             </a:r>
             <a:r>
-              <a:rPr lang="en-GB" baseline="0" dirty="0" err="1" smtClean="0"/>
+              <a:rPr lang="en-GB" baseline="0" dirty="0" err="1"/>
               <a:t>pupose</a:t>
             </a:r>
-            <a:endParaRPr lang="en-GB" baseline="0" dirty="0" smtClean="0"/>
-          </a:p>
-          <a:p>
-            <a:r>
-              <a:rPr lang="en-GB" baseline="0" dirty="0" err="1" smtClean="0"/>
+            <a:endParaRPr lang="en-GB" baseline="0" dirty="0"/>
+          </a:p>
+          <a:p>
+            <a:r>
+              <a:rPr lang="en-GB" baseline="0" dirty="0" err="1"/>
               <a:t>Guildance</a:t>
             </a:r>
             <a:r>
-              <a:rPr lang="en-GB" baseline="0" dirty="0" smtClean="0"/>
+              <a:rPr lang="en-GB" baseline="0" dirty="0"/>
               <a:t> and Direction</a:t>
             </a:r>
           </a:p>
           <a:p>
-            <a:endParaRPr lang="en-GB" baseline="0" dirty="0" smtClean="0"/>
-          </a:p>
-          <a:p>
-            <a:r>
-              <a:rPr lang="en-GB" baseline="0" dirty="0" smtClean="0"/>
+            <a:endParaRPr lang="en-GB" baseline="0" dirty="0"/>
+          </a:p>
+          <a:p>
+            <a:r>
+              <a:rPr lang="en-GB" baseline="0" dirty="0"/>
               <a:t>Storming</a:t>
             </a:r>
           </a:p>
           <a:p>
             <a:r>
-              <a:rPr lang="en-GB" baseline="0" dirty="0" smtClean="0"/>
+              <a:rPr lang="en-GB" baseline="0" dirty="0"/>
               <a:t>Conflict Increased clarity if purpose</a:t>
             </a:r>
           </a:p>
           <a:p>
             <a:r>
-              <a:rPr lang="en-GB" baseline="0" dirty="0" smtClean="0"/>
+              <a:rPr lang="en-GB" baseline="0" dirty="0"/>
               <a:t>Power struggles</a:t>
             </a:r>
           </a:p>
           <a:p>
             <a:r>
-              <a:rPr lang="en-GB" baseline="0" dirty="0" smtClean="0"/>
+              <a:rPr lang="en-GB" baseline="0" dirty="0"/>
               <a:t>Coaching</a:t>
             </a:r>
           </a:p>
           <a:p>
             <a:r>
-              <a:rPr lang="en-GB" baseline="0" dirty="0" smtClean="0"/>
+              <a:rPr lang="en-GB" baseline="0" dirty="0"/>
               <a:t>Norming</a:t>
             </a:r>
           </a:p>
           <a:p>
             <a:r>
-              <a:rPr lang="en-GB" baseline="0" dirty="0" smtClean="0"/>
+              <a:rPr lang="en-GB" baseline="0" dirty="0"/>
               <a:t>Agreement and </a:t>
             </a:r>
             <a:r>
-              <a:rPr lang="en-GB" baseline="0" dirty="0" err="1" smtClean="0"/>
+              <a:rPr lang="en-GB" baseline="0" dirty="0" err="1"/>
               <a:t>Concensus</a:t>
             </a:r>
-            <a:endParaRPr lang="en-GB" baseline="0" dirty="0" smtClean="0"/>
-          </a:p>
-          <a:p>
-            <a:r>
-              <a:rPr lang="en-GB" baseline="0" dirty="0" smtClean="0"/>
+            <a:endParaRPr lang="en-GB" baseline="0" dirty="0"/>
+          </a:p>
+          <a:p>
+            <a:r>
+              <a:rPr lang="en-GB" baseline="0" dirty="0"/>
               <a:t>Clear roles and </a:t>
             </a:r>
             <a:r>
-              <a:rPr lang="en-GB" baseline="0" dirty="0" err="1" smtClean="0"/>
+              <a:rPr lang="en-GB" baseline="0" dirty="0" err="1"/>
               <a:t>Resonsibility</a:t>
             </a:r>
-            <a:endParaRPr lang="en-GB" baseline="0" dirty="0" smtClean="0"/>
-          </a:p>
-          <a:p>
-            <a:r>
-              <a:rPr lang="en-GB" baseline="0" dirty="0" err="1" smtClean="0"/>
+            <a:endParaRPr lang="en-GB" baseline="0" dirty="0"/>
+          </a:p>
+          <a:p>
+            <a:r>
+              <a:rPr lang="en-GB" baseline="0" dirty="0" err="1"/>
               <a:t>Facilitaion</a:t>
             </a:r>
-            <a:endParaRPr lang="en-GB" baseline="0" dirty="0" smtClean="0"/>
-          </a:p>
-          <a:p>
-            <a:r>
-              <a:rPr lang="en-GB" baseline="0" dirty="0" smtClean="0"/>
+            <a:endParaRPr lang="en-GB" baseline="0" dirty="0"/>
+          </a:p>
+          <a:p>
+            <a:r>
+              <a:rPr lang="en-GB" baseline="0" dirty="0"/>
               <a:t>Performing</a:t>
             </a:r>
           </a:p>
           <a:p>
             <a:r>
-              <a:rPr lang="en-GB" baseline="0" dirty="0" smtClean="0"/>
+              <a:rPr lang="en-GB" baseline="0" dirty="0"/>
               <a:t>Clear vision and </a:t>
             </a:r>
             <a:r>
-              <a:rPr lang="en-GB" baseline="0" dirty="0" err="1" smtClean="0"/>
+              <a:rPr lang="en-GB" baseline="0" dirty="0" err="1"/>
               <a:t>pupose</a:t>
             </a:r>
-            <a:endParaRPr lang="en-GB" baseline="0" dirty="0" smtClean="0"/>
-          </a:p>
-          <a:p>
-            <a:r>
-              <a:rPr lang="en-GB" baseline="0" dirty="0" smtClean="0"/>
+            <a:endParaRPr lang="en-GB" baseline="0" dirty="0"/>
+          </a:p>
+          <a:p>
+            <a:r>
+              <a:rPr lang="en-GB" baseline="0" dirty="0"/>
               <a:t>Focus on goal achievement</a:t>
             </a:r>
           </a:p>
           <a:p>
             <a:r>
-              <a:rPr lang="en-GB" baseline="0" dirty="0" smtClean="0"/>
+              <a:rPr lang="en-GB" baseline="0" dirty="0"/>
               <a:t>Delegation</a:t>
             </a:r>
           </a:p>
           <a:p>
             <a:r>
-              <a:rPr lang="en-GB" baseline="0" dirty="0" smtClean="0"/>
+              <a:rPr lang="en-GB" baseline="0" dirty="0"/>
               <a:t>Adjourning</a:t>
             </a:r>
           </a:p>
           <a:p>
             <a:r>
-              <a:rPr lang="en-GB" baseline="0" dirty="0" smtClean="0"/>
+              <a:rPr lang="en-GB" baseline="0" dirty="0"/>
               <a:t>Task completion</a:t>
             </a:r>
           </a:p>
           <a:p>
             <a:r>
-              <a:rPr lang="en-GB" baseline="0" dirty="0" smtClean="0"/>
+              <a:rPr lang="en-GB" baseline="0" dirty="0"/>
               <a:t>Good feeling about achievements</a:t>
             </a:r>
           </a:p>
           <a:p>
             <a:r>
-              <a:rPr lang="en-GB" baseline="0" dirty="0" smtClean="0"/>
+              <a:rPr lang="en-GB" baseline="0" dirty="0"/>
               <a:t>Recognition</a:t>
             </a:r>
           </a:p>
           <a:p>
-            <a:endParaRPr lang="en-GB" dirty="0" smtClean="0"/>
+            <a:endParaRPr lang="en-GB" dirty="0"/>
           </a:p>
           <a:p>
             <a:endParaRPr lang="en-GB" dirty="0"/>
@@ -940,24 +958,24 @@
           <a:lstStyle/>
           <a:p>
             <a:r>
-              <a:rPr lang="en-GB" dirty="0" smtClean="0"/>
+              <a:rPr lang="en-GB" dirty="0"/>
               <a:t>Two</a:t>
             </a:r>
             <a:r>
-              <a:rPr lang="en-GB" baseline="0" dirty="0" smtClean="0"/>
+              <a:rPr lang="en-GB" baseline="0" dirty="0"/>
               <a:t> people can look at the same thing and yet both see something different.</a:t>
             </a:r>
           </a:p>
           <a:p>
-            <a:endParaRPr lang="en-GB" baseline="0" dirty="0" smtClean="0"/>
-          </a:p>
-          <a:p>
-            <a:r>
-              <a:rPr lang="en-GB" baseline="0" dirty="0" smtClean="0"/>
+            <a:endParaRPr lang="en-GB" baseline="0" dirty="0"/>
+          </a:p>
+          <a:p>
+            <a:r>
+              <a:rPr lang="en-GB" baseline="0" dirty="0"/>
               <a:t>Your unique view is formed by your own individual perceptions and beliefs. If you can understand where these perceptions and beliefs come from, you can then begin to understand why other people see things differently. By understanding people, you can begin to appreciate who they are and improve your relationships </a:t>
             </a:r>
             <a:r>
-              <a:rPr lang="en-GB" baseline="0" smtClean="0"/>
+              <a:rPr lang="en-GB" baseline="0"/>
               <a:t>with them.</a:t>
             </a:r>
             <a:endParaRPr lang="en-GB" dirty="0"/>
@@ -990,7 +1008,7 @@
     </p:spTree>
     <p:extLst>
       <p:ext uri="{BB962C8B-B14F-4D97-AF65-F5344CB8AC3E}">
-        <p14:creationId xmlns:p14="http://schemas.microsoft.com/office/powerpoint/2010/main" val="172963167"/>
+        <p14:creationId xmlns:p14="http://schemas.microsoft.com/office/powerpoint/2010/main" val="263137287"/>
       </p:ext>
     </p:extLst>
   </p:cSld>
@@ -1045,12 +1063,25 @@
           <a:lstStyle/>
           <a:p>
             <a:r>
-              <a:rPr lang="en-GB" dirty="0" smtClean="0"/>
-              <a:t>At</a:t>
-            </a:r>
-            <a:r>
-              <a:rPr lang="en-GB" baseline="0" dirty="0" smtClean="0"/>
-              <a:t> end apprentices read one of cards they think applies to them</a:t>
+              <a:rPr lang="en-GB" dirty="0"/>
+              <a:t>Two</a:t>
+            </a:r>
+            <a:r>
+              <a:rPr lang="en-GB" baseline="0" dirty="0"/>
+              <a:t> people can look at the same thing and yet both see something different.</a:t>
+            </a:r>
+          </a:p>
+          <a:p>
+            <a:endParaRPr lang="en-GB" baseline="0" dirty="0"/>
+          </a:p>
+          <a:p>
+            <a:r>
+              <a:rPr lang="en-GB" baseline="0" dirty="0"/>
+              <a:t>Your unique view is formed by your own individual perceptions and beliefs. If you can understand where these perceptions and beliefs come from, you can then begin to understand why other people see things differently. By understanding people, you can begin to appreciate who they are and improve your relationships </a:t>
+            </a:r>
+            <a:r>
+              <a:rPr lang="en-GB" baseline="0"/>
+              <a:t>with them.</a:t>
             </a:r>
             <a:endParaRPr lang="en-GB" dirty="0"/>
           </a:p>
@@ -1082,7 +1113,7 @@
     </p:spTree>
     <p:extLst>
       <p:ext uri="{BB962C8B-B14F-4D97-AF65-F5344CB8AC3E}">
-        <p14:creationId xmlns:p14="http://schemas.microsoft.com/office/powerpoint/2010/main" val="3049242625"/>
+        <p14:creationId xmlns:p14="http://schemas.microsoft.com/office/powerpoint/2010/main" val="172963167"/>
       </p:ext>
     </p:extLst>
   </p:cSld>
@@ -1137,30 +1168,25 @@
           <a:lstStyle/>
           <a:p>
             <a:r>
-              <a:rPr lang="en-GB" dirty="0" smtClean="0"/>
-              <a:t>Relate</a:t>
-            </a:r>
-            <a:r>
-              <a:rPr lang="en-GB" baseline="0" dirty="0" smtClean="0"/>
-              <a:t> this back to forming, norming storming</a:t>
-            </a:r>
-          </a:p>
-          <a:p>
-            <a:r>
-              <a:rPr lang="en-GB" baseline="0" dirty="0" smtClean="0"/>
-              <a:t>Everyone is a mix</a:t>
-            </a:r>
-          </a:p>
-          <a:p>
-            <a:r>
-              <a:rPr lang="en-GB" baseline="0" dirty="0" smtClean="0"/>
-              <a:t>Apprentices relate back their top two colours (mostly red and green)</a:t>
-            </a:r>
-          </a:p>
-          <a:p>
-            <a:r>
-              <a:rPr lang="en-GB" baseline="0" dirty="0" smtClean="0"/>
-              <a:t>Hands up on accuracy</a:t>
+              <a:rPr lang="en-GB" dirty="0"/>
+              <a:t>Two</a:t>
+            </a:r>
+            <a:r>
+              <a:rPr lang="en-GB" baseline="0" dirty="0"/>
+              <a:t> people can look at the same thing and yet both see something different.</a:t>
+            </a:r>
+          </a:p>
+          <a:p>
+            <a:endParaRPr lang="en-GB" baseline="0" dirty="0"/>
+          </a:p>
+          <a:p>
+            <a:r>
+              <a:rPr lang="en-GB" baseline="0" dirty="0"/>
+              <a:t>Your unique view is formed by your own individual perceptions and beliefs. If you can understand where these perceptions and beliefs come from, you can then begin to understand why other people see things differently. By understanding people, you can begin to appreciate who they are and improve your relationships </a:t>
+            </a:r>
+            <a:r>
+              <a:rPr lang="en-GB" baseline="0"/>
+              <a:t>with them.</a:t>
             </a:r>
             <a:endParaRPr lang="en-GB" dirty="0"/>
           </a:p>
@@ -1183,7 +1209,7 @@
           <a:p>
             <a:fld id="{261A6475-27B4-438B-AE62-B44EB0963FA2}" type="slidenum">
               <a:rPr lang="en-GB" smtClean="0"/>
-              <a:t>9</a:t>
+              <a:t>7</a:t>
             </a:fld>
             <a:endParaRPr lang="en-GB"/>
           </a:p>
@@ -1192,7 +1218,7 @@
     </p:spTree>
     <p:extLst>
       <p:ext uri="{BB962C8B-B14F-4D97-AF65-F5344CB8AC3E}">
-        <p14:creationId xmlns:p14="http://schemas.microsoft.com/office/powerpoint/2010/main" val="761046441"/>
+        <p14:creationId xmlns:p14="http://schemas.microsoft.com/office/powerpoint/2010/main" val="2699685317"/>
       </p:ext>
     </p:extLst>
   </p:cSld>
@@ -1247,59 +1273,123 @@
           <a:lstStyle/>
           <a:p>
             <a:r>
-              <a:rPr lang="en-US" dirty="0" smtClean="0"/>
-              <a:t>Create Alignment: Write down in non-buzzwordy language why this change happening, who is affected, the benefits. Put up a “feedback” area next to these 3 statements, let people poke holes in them. </a:t>
-            </a:r>
-          </a:p>
-          <a:p>
-            <a:endParaRPr lang="en-US" dirty="0" smtClean="0"/>
-          </a:p>
-          <a:p>
-            <a:endParaRPr lang="en-US" dirty="0" smtClean="0"/>
-          </a:p>
-          <a:p>
-            <a:r>
-              <a:rPr lang="en-US" dirty="0" smtClean="0"/>
-              <a:t>Maximize Communication: Informal communication - open and honest dialogue. Sometimes when people feel frustrated they need to be listened to. Don’t worry about having a solid plan and outcomes from those sessions.</a:t>
-            </a:r>
-          </a:p>
-          <a:p>
-            <a:endParaRPr lang="en-US" dirty="0" smtClean="0"/>
-          </a:p>
-          <a:p>
-            <a:endParaRPr lang="en-US" dirty="0" smtClean="0"/>
-          </a:p>
-          <a:p>
-            <a:r>
-              <a:rPr lang="en-US" dirty="0" smtClean="0"/>
-              <a:t>Spark Motivation: Understand what is holding people back from trying new practices. Motivation isn’t everything, sometimes people need to develop capability first, but look for what motivates different people. Do something to help people break out of the funk.</a:t>
-            </a:r>
-          </a:p>
-          <a:p>
-            <a:endParaRPr lang="en-US" dirty="0" smtClean="0"/>
-          </a:p>
-          <a:p>
-            <a:endParaRPr lang="en-US" dirty="0" smtClean="0"/>
-          </a:p>
-          <a:p>
-            <a:r>
-              <a:rPr lang="en-US" dirty="0" smtClean="0"/>
-              <a:t>Develop Capability: This stage is perfect for the “safe to fail” phrase. Build time to let people practice new skills. Innovation and collaboration doesn’t happen by chance; you as a change agent need to enable it.</a:t>
-            </a:r>
-          </a:p>
-          <a:p>
-            <a:endParaRPr lang="en-US" dirty="0" smtClean="0"/>
-          </a:p>
-          <a:p>
-            <a:endParaRPr lang="en-US" dirty="0" smtClean="0"/>
-          </a:p>
-          <a:p>
-            <a:r>
-              <a:rPr lang="en-US" dirty="0" smtClean="0"/>
-              <a:t>Share Knowledge: Get teams together to share stories. Encourage teams to learn from each other. Let teams showcase what they’ve done.</a:t>
-            </a:r>
-          </a:p>
-          <a:p>
+              <a:rPr lang="en-GB" dirty="0"/>
+              <a:t>At</a:t>
+            </a:r>
+            <a:r>
+              <a:rPr lang="en-GB" baseline="0" dirty="0"/>
+              <a:t> end apprentices read one of cards they think applies to them</a:t>
+            </a:r>
+            <a:endParaRPr lang="en-GB" dirty="0"/>
+          </a:p>
+        </p:txBody>
+      </p:sp>
+      <p:sp>
+        <p:nvSpPr>
+          <p:cNvPr id="4" name="Slide Number Placeholder 3"/>
+          <p:cNvSpPr>
+            <a:spLocks noGrp="1"/>
+          </p:cNvSpPr>
+          <p:nvPr>
+            <p:ph type="sldNum" sz="quarter" idx="10"/>
+          </p:nvPr>
+        </p:nvSpPr>
+        <p:spPr/>
+        <p:txBody>
+          <a:bodyPr/>
+          <a:lstStyle/>
+          <a:p>
+            <a:fld id="{261A6475-27B4-438B-AE62-B44EB0963FA2}" type="slidenum">
+              <a:rPr lang="en-GB" smtClean="0"/>
+              <a:t>8</a:t>
+            </a:fld>
+            <a:endParaRPr lang="en-GB"/>
+          </a:p>
+        </p:txBody>
+      </p:sp>
+    </p:spTree>
+    <p:extLst>
+      <p:ext uri="{BB962C8B-B14F-4D97-AF65-F5344CB8AC3E}">
+        <p14:creationId xmlns:p14="http://schemas.microsoft.com/office/powerpoint/2010/main" val="3049242625"/>
+      </p:ext>
+    </p:extLst>
+  </p:cSld>
+  <p:clrMapOvr>
+    <a:masterClrMapping/>
+  </p:clrMapOvr>
+</p:notes>
+</file>
+
+<file path=ppt/notesSlides/notesSlide8.xml><?xml version="1.0" encoding="utf-8"?>
+<p:notes xmlns:a="http://schemas.openxmlformats.org/drawingml/2006/main" xmlns:r="http://schemas.openxmlformats.org/officeDocument/2006/relationships" xmlns:p="http://schemas.openxmlformats.org/presentationml/2006/main">
+  <p:cSld>
+    <p:spTree>
+      <p:nvGrpSpPr>
+        <p:cNvPr id="1" name=""/>
+        <p:cNvGrpSpPr/>
+        <p:nvPr/>
+      </p:nvGrpSpPr>
+      <p:grpSpPr>
+        <a:xfrm>
+          <a:off x="0" y="0"/>
+          <a:ext cx="0" cy="0"/>
+          <a:chOff x="0" y="0"/>
+          <a:chExt cx="0" cy="0"/>
+        </a:xfrm>
+      </p:grpSpPr>
+      <p:sp>
+        <p:nvSpPr>
+          <p:cNvPr id="2" name="Slide Image Placeholder 1"/>
+          <p:cNvSpPr>
+            <a:spLocks noGrp="1" noRot="1" noChangeAspect="1"/>
+          </p:cNvSpPr>
+          <p:nvPr>
+            <p:ph type="sldImg"/>
+          </p:nvPr>
+        </p:nvSpPr>
+        <p:spPr/>
+      </p:sp>
+      <p:sp>
+        <p:nvSpPr>
+          <p:cNvPr id="3" name="Notes Placeholder 2"/>
+          <p:cNvSpPr>
+            <a:spLocks noGrp="1"/>
+          </p:cNvSpPr>
+          <p:nvPr>
+            <p:ph type="body" idx="1"/>
+          </p:nvPr>
+        </p:nvSpPr>
+        <p:spPr/>
+        <p:txBody>
+          <a:bodyPr/>
+          <a:lstStyle/>
+          <a:p>
+            <a:r>
+              <a:rPr lang="en-GB" dirty="0"/>
+              <a:t>Relate</a:t>
+            </a:r>
+            <a:r>
+              <a:rPr lang="en-GB" baseline="0" dirty="0"/>
+              <a:t> this back to forming, norming storming</a:t>
+            </a:r>
+          </a:p>
+          <a:p>
+            <a:r>
+              <a:rPr lang="en-GB" baseline="0" dirty="0"/>
+              <a:t>Everyone is a mix</a:t>
+            </a:r>
+          </a:p>
+          <a:p>
+            <a:r>
+              <a:rPr lang="en-GB" baseline="0" dirty="0"/>
+              <a:t>Apprentices relate back their top two colours (mostly red and green)</a:t>
+            </a:r>
+          </a:p>
+          <a:p>
+            <a:r>
+              <a:rPr lang="en-GB" baseline="0" dirty="0"/>
+              <a:t>Hands up on accuracy</a:t>
+            </a:r>
             <a:endParaRPr lang="en-GB" dirty="0"/>
           </a:p>
         </p:txBody>
@@ -1322,6 +1412,144 @@
             <a:fld id="{261A6475-27B4-438B-AE62-B44EB0963FA2}" type="slidenum">
               <a:rPr lang="en-GB" smtClean="0"/>
               <a:t>11</a:t>
+            </a:fld>
+            <a:endParaRPr lang="en-GB"/>
+          </a:p>
+        </p:txBody>
+      </p:sp>
+    </p:spTree>
+    <p:extLst>
+      <p:ext uri="{BB962C8B-B14F-4D97-AF65-F5344CB8AC3E}">
+        <p14:creationId xmlns:p14="http://schemas.microsoft.com/office/powerpoint/2010/main" val="761046441"/>
+      </p:ext>
+    </p:extLst>
+  </p:cSld>
+  <p:clrMapOvr>
+    <a:masterClrMapping/>
+  </p:clrMapOvr>
+</p:notes>
+</file>
+
+<file path=ppt/notesSlides/notesSlide9.xml><?xml version="1.0" encoding="utf-8"?>
+<p:notes xmlns:a="http://schemas.openxmlformats.org/drawingml/2006/main" xmlns:r="http://schemas.openxmlformats.org/officeDocument/2006/relationships" xmlns:p="http://schemas.openxmlformats.org/presentationml/2006/main">
+  <p:cSld>
+    <p:spTree>
+      <p:nvGrpSpPr>
+        <p:cNvPr id="1" name=""/>
+        <p:cNvGrpSpPr/>
+        <p:nvPr/>
+      </p:nvGrpSpPr>
+      <p:grpSpPr>
+        <a:xfrm>
+          <a:off x="0" y="0"/>
+          <a:ext cx="0" cy="0"/>
+          <a:chOff x="0" y="0"/>
+          <a:chExt cx="0" cy="0"/>
+        </a:xfrm>
+      </p:grpSpPr>
+      <p:sp>
+        <p:nvSpPr>
+          <p:cNvPr id="2" name="Slide Image Placeholder 1"/>
+          <p:cNvSpPr>
+            <a:spLocks noGrp="1" noRot="1" noChangeAspect="1"/>
+          </p:cNvSpPr>
+          <p:nvPr>
+            <p:ph type="sldImg"/>
+          </p:nvPr>
+        </p:nvSpPr>
+        <p:spPr/>
+      </p:sp>
+      <p:sp>
+        <p:nvSpPr>
+          <p:cNvPr id="3" name="Notes Placeholder 2"/>
+          <p:cNvSpPr>
+            <a:spLocks noGrp="1"/>
+          </p:cNvSpPr>
+          <p:nvPr>
+            <p:ph type="body" idx="1"/>
+          </p:nvPr>
+        </p:nvSpPr>
+        <p:spPr/>
+        <p:txBody>
+          <a:bodyPr/>
+          <a:lstStyle/>
+          <a:p>
+            <a:r>
+              <a:rPr lang="en-US" dirty="0"/>
+              <a:t>Create Alignment: Write down in non-buzzwordy language why this change happening, who is affected, the benefits. Put up a “feedback” area next to these 3 statements, let people poke holes in them. </a:t>
+            </a:r>
+          </a:p>
+          <a:p>
+            <a:endParaRPr lang="en-US" dirty="0"/>
+          </a:p>
+          <a:p>
+            <a:endParaRPr lang="en-US" dirty="0"/>
+          </a:p>
+          <a:p>
+            <a:r>
+              <a:rPr lang="en-US" dirty="0"/>
+              <a:t>Maximize Communication: Informal communication - open and honest dialogue. Sometimes when people feel frustrated they need to be listened to. Don’t worry about having a solid plan and outcomes from those sessions.</a:t>
+            </a:r>
+          </a:p>
+          <a:p>
+            <a:endParaRPr lang="en-US" dirty="0"/>
+          </a:p>
+          <a:p>
+            <a:endParaRPr lang="en-US" dirty="0"/>
+          </a:p>
+          <a:p>
+            <a:r>
+              <a:rPr lang="en-US" dirty="0"/>
+              <a:t>Spark Motivation: Understand what is holding people back from trying new practices. Motivation isn’t everything, sometimes people need to develop capability first, but look for what motivates different people. Do something to help people break out of the funk.</a:t>
+            </a:r>
+          </a:p>
+          <a:p>
+            <a:endParaRPr lang="en-US" dirty="0"/>
+          </a:p>
+          <a:p>
+            <a:endParaRPr lang="en-US" dirty="0"/>
+          </a:p>
+          <a:p>
+            <a:r>
+              <a:rPr lang="en-US" dirty="0"/>
+              <a:t>Develop Capability: This stage is perfect for the “safe to fail” phrase. Build time to let people practice new skills. Innovation and collaboration doesn’t happen by chance; you as a change agent need to enable it.</a:t>
+            </a:r>
+          </a:p>
+          <a:p>
+            <a:endParaRPr lang="en-US" dirty="0"/>
+          </a:p>
+          <a:p>
+            <a:endParaRPr lang="en-US" dirty="0"/>
+          </a:p>
+          <a:p>
+            <a:r>
+              <a:rPr lang="en-US" dirty="0"/>
+              <a:t>Share Knowledge: Get teams together to share stories. Encourage teams to learn from each other. Let teams showcase what they’ve done.</a:t>
+            </a:r>
+          </a:p>
+          <a:p>
+            <a:endParaRPr lang="en-GB" dirty="0"/>
+          </a:p>
+        </p:txBody>
+      </p:sp>
+      <p:sp>
+        <p:nvSpPr>
+          <p:cNvPr id="4" name="Slide Number Placeholder 3"/>
+          <p:cNvSpPr>
+            <a:spLocks noGrp="1"/>
+          </p:cNvSpPr>
+          <p:nvPr>
+            <p:ph type="sldNum" sz="quarter" idx="10"/>
+          </p:nvPr>
+        </p:nvSpPr>
+        <p:spPr/>
+        <p:txBody>
+          <a:bodyPr/>
+          <a:lstStyle/>
+          <a:p>
+            <a:fld id="{261A6475-27B4-438B-AE62-B44EB0963FA2}" type="slidenum">
+              <a:rPr lang="en-GB" smtClean="0"/>
+              <a:t>13</a:t>
             </a:fld>
             <a:endParaRPr lang="en-GB"/>
           </a:p>
@@ -1378,7 +1606,7 @@
           <a:lstStyle/>
           <a:p>
             <a:r>
-              <a:rPr lang="en-US" smtClean="0"/>
+              <a:rPr lang="en-US"/>
               <a:t>Click to edit Master title style</a:t>
             </a:r>
             <a:endParaRPr lang="en-GB"/>
@@ -1497,7 +1725,7 @@
           </a:lstStyle>
           <a:p>
             <a:r>
-              <a:rPr lang="en-US" smtClean="0"/>
+              <a:rPr lang="en-US"/>
               <a:t>Click to edit Master subtitle style</a:t>
             </a:r>
             <a:endParaRPr lang="en-GB"/>
@@ -1521,7 +1749,7 @@
           <a:p>
             <a:fld id="{BEE06AA8-3858-48A5-AF1A-CAB2901765BA}" type="datetimeFigureOut">
               <a:rPr lang="en-GB" smtClean="0"/>
-              <a:t>11/03/2019</a:t>
+              <a:t>15/03/2019</a:t>
             </a:fld>
             <a:endParaRPr lang="en-GB"/>
           </a:p>
@@ -1615,7 +1843,7 @@
           <a:lstStyle/>
           <a:p>
             <a:r>
-              <a:rPr lang="en-US" smtClean="0"/>
+              <a:rPr lang="en-US"/>
               <a:t>Click to edit Master title style</a:t>
             </a:r>
             <a:endParaRPr lang="en-GB"/>
@@ -1639,35 +1867,35 @@
           <a:p>
             <a:pPr lvl="0"/>
             <a:r>
-              <a:rPr lang="en-US" smtClean="0"/>
+              <a:rPr lang="en-US"/>
               <a:t>Click to edit Master text styles</a:t>
             </a:r>
           </a:p>
           <a:p>
             <a:pPr lvl="1"/>
             <a:r>
-              <a:rPr lang="en-US" smtClean="0"/>
+              <a:rPr lang="en-US"/>
               <a:t>Second level</a:t>
             </a:r>
           </a:p>
           <a:p>
             <a:pPr lvl="2"/>
             <a:r>
-              <a:rPr lang="en-US" smtClean="0"/>
+              <a:rPr lang="en-US"/>
               <a:t>Third level</a:t>
             </a:r>
           </a:p>
           <a:p>
             <a:pPr lvl="3"/>
             <a:r>
-              <a:rPr lang="en-US" smtClean="0"/>
+              <a:rPr lang="en-US"/>
               <a:t>Fourth level</a:t>
             </a:r>
           </a:p>
           <a:p>
             <a:pPr lvl="4"/>
             <a:r>
-              <a:rPr lang="en-US" smtClean="0"/>
+              <a:rPr lang="en-US"/>
               <a:t>Fifth level</a:t>
             </a:r>
             <a:endParaRPr lang="en-GB"/>
@@ -1691,7 +1919,7 @@
           <a:p>
             <a:fld id="{BEE06AA8-3858-48A5-AF1A-CAB2901765BA}" type="datetimeFigureOut">
               <a:rPr lang="en-GB" smtClean="0"/>
-              <a:t>11/03/2019</a:t>
+              <a:t>15/03/2019</a:t>
             </a:fld>
             <a:endParaRPr lang="en-GB"/>
           </a:p>
@@ -1790,7 +2018,7 @@
           <a:lstStyle/>
           <a:p>
             <a:r>
-              <a:rPr lang="en-US" smtClean="0"/>
+              <a:rPr lang="en-US"/>
               <a:t>Click to edit Master title style</a:t>
             </a:r>
             <a:endParaRPr lang="en-GB"/>
@@ -1819,35 +2047,35 @@
           <a:p>
             <a:pPr lvl="0"/>
             <a:r>
-              <a:rPr lang="en-US" smtClean="0"/>
+              <a:rPr lang="en-US"/>
               <a:t>Click to edit Master text styles</a:t>
             </a:r>
           </a:p>
           <a:p>
             <a:pPr lvl="1"/>
             <a:r>
-              <a:rPr lang="en-US" smtClean="0"/>
+              <a:rPr lang="en-US"/>
               <a:t>Second level</a:t>
             </a:r>
           </a:p>
           <a:p>
             <a:pPr lvl="2"/>
             <a:r>
-              <a:rPr lang="en-US" smtClean="0"/>
+              <a:rPr lang="en-US"/>
               <a:t>Third level</a:t>
             </a:r>
           </a:p>
           <a:p>
             <a:pPr lvl="3"/>
             <a:r>
-              <a:rPr lang="en-US" smtClean="0"/>
+              <a:rPr lang="en-US"/>
               <a:t>Fourth level</a:t>
             </a:r>
           </a:p>
           <a:p>
             <a:pPr lvl="4"/>
             <a:r>
-              <a:rPr lang="en-US" smtClean="0"/>
+              <a:rPr lang="en-US"/>
               <a:t>Fifth level</a:t>
             </a:r>
             <a:endParaRPr lang="en-GB"/>
@@ -1871,7 +2099,7 @@
           <a:p>
             <a:fld id="{BEE06AA8-3858-48A5-AF1A-CAB2901765BA}" type="datetimeFigureOut">
               <a:rPr lang="en-GB" smtClean="0"/>
-              <a:t>11/03/2019</a:t>
+              <a:t>15/03/2019</a:t>
             </a:fld>
             <a:endParaRPr lang="en-GB"/>
           </a:p>
@@ -1965,7 +2193,7 @@
           <a:lstStyle/>
           <a:p>
             <a:r>
-              <a:rPr lang="en-US" smtClean="0"/>
+              <a:rPr lang="en-US"/>
               <a:t>Click to edit Master title style</a:t>
             </a:r>
             <a:endParaRPr lang="en-GB"/>
@@ -1989,35 +2217,35 @@
           <a:p>
             <a:pPr lvl="0"/>
             <a:r>
-              <a:rPr lang="en-US" smtClean="0"/>
+              <a:rPr lang="en-US"/>
               <a:t>Click to edit Master text styles</a:t>
             </a:r>
           </a:p>
           <a:p>
             <a:pPr lvl="1"/>
             <a:r>
-              <a:rPr lang="en-US" smtClean="0"/>
+              <a:rPr lang="en-US"/>
               <a:t>Second level</a:t>
             </a:r>
           </a:p>
           <a:p>
             <a:pPr lvl="2"/>
             <a:r>
-              <a:rPr lang="en-US" smtClean="0"/>
+              <a:rPr lang="en-US"/>
               <a:t>Third level</a:t>
             </a:r>
           </a:p>
           <a:p>
             <a:pPr lvl="3"/>
             <a:r>
-              <a:rPr lang="en-US" smtClean="0"/>
+              <a:rPr lang="en-US"/>
               <a:t>Fourth level</a:t>
             </a:r>
           </a:p>
           <a:p>
             <a:pPr lvl="4"/>
             <a:r>
-              <a:rPr lang="en-US" smtClean="0"/>
+              <a:rPr lang="en-US"/>
               <a:t>Fifth level</a:t>
             </a:r>
             <a:endParaRPr lang="en-GB"/>
@@ -2041,7 +2269,7 @@
           <a:p>
             <a:fld id="{BEE06AA8-3858-48A5-AF1A-CAB2901765BA}" type="datetimeFigureOut">
               <a:rPr lang="en-GB" smtClean="0"/>
-              <a:t>11/03/2019</a:t>
+              <a:t>15/03/2019</a:t>
             </a:fld>
             <a:endParaRPr lang="en-GB"/>
           </a:p>
@@ -2144,7 +2372,7 @@
           </a:lstStyle>
           <a:p>
             <a:r>
-              <a:rPr lang="en-US" smtClean="0"/>
+              <a:rPr lang="en-US"/>
               <a:t>Click to edit Master title style</a:t>
             </a:r>
             <a:endParaRPr lang="en-GB"/>
@@ -2264,7 +2492,7 @@
           <a:p>
             <a:pPr lvl="0"/>
             <a:r>
-              <a:rPr lang="en-US" smtClean="0"/>
+              <a:rPr lang="en-US"/>
               <a:t>Click to edit Master text styles</a:t>
             </a:r>
           </a:p>
@@ -2287,7 +2515,7 @@
           <a:p>
             <a:fld id="{BEE06AA8-3858-48A5-AF1A-CAB2901765BA}" type="datetimeFigureOut">
               <a:rPr lang="en-GB" smtClean="0"/>
-              <a:t>11/03/2019</a:t>
+              <a:t>15/03/2019</a:t>
             </a:fld>
             <a:endParaRPr lang="en-GB"/>
           </a:p>
@@ -2381,7 +2609,7 @@
           <a:lstStyle/>
           <a:p>
             <a:r>
-              <a:rPr lang="en-US" smtClean="0"/>
+              <a:rPr lang="en-US"/>
               <a:t>Click to edit Master title style</a:t>
             </a:r>
             <a:endParaRPr lang="en-GB"/>
@@ -2438,35 +2666,35 @@
           <a:p>
             <a:pPr lvl="0"/>
             <a:r>
-              <a:rPr lang="en-US" smtClean="0"/>
+              <a:rPr lang="en-US"/>
               <a:t>Click to edit Master text styles</a:t>
             </a:r>
           </a:p>
           <a:p>
             <a:pPr lvl="1"/>
             <a:r>
-              <a:rPr lang="en-US" smtClean="0"/>
+              <a:rPr lang="en-US"/>
               <a:t>Second level</a:t>
             </a:r>
           </a:p>
           <a:p>
             <a:pPr lvl="2"/>
             <a:r>
-              <a:rPr lang="en-US" smtClean="0"/>
+              <a:rPr lang="en-US"/>
               <a:t>Third level</a:t>
             </a:r>
           </a:p>
           <a:p>
             <a:pPr lvl="3"/>
             <a:r>
-              <a:rPr lang="en-US" smtClean="0"/>
+              <a:rPr lang="en-US"/>
               <a:t>Fourth level</a:t>
             </a:r>
           </a:p>
           <a:p>
             <a:pPr lvl="4"/>
             <a:r>
-              <a:rPr lang="en-US" smtClean="0"/>
+              <a:rPr lang="en-US"/>
               <a:t>Fifth level</a:t>
             </a:r>
             <a:endParaRPr lang="en-GB"/>
@@ -2523,35 +2751,35 @@
           <a:p>
             <a:pPr lvl="0"/>
             <a:r>
-              <a:rPr lang="en-US" smtClean="0"/>
+              <a:rPr lang="en-US"/>
               <a:t>Click to edit Master text styles</a:t>
             </a:r>
           </a:p>
           <a:p>
             <a:pPr lvl="1"/>
             <a:r>
-              <a:rPr lang="en-US" smtClean="0"/>
+              <a:rPr lang="en-US"/>
               <a:t>Second level</a:t>
             </a:r>
           </a:p>
           <a:p>
             <a:pPr lvl="2"/>
             <a:r>
-              <a:rPr lang="en-US" smtClean="0"/>
+              <a:rPr lang="en-US"/>
               <a:t>Third level</a:t>
             </a:r>
           </a:p>
           <a:p>
             <a:pPr lvl="3"/>
             <a:r>
-              <a:rPr lang="en-US" smtClean="0"/>
+              <a:rPr lang="en-US"/>
               <a:t>Fourth level</a:t>
             </a:r>
           </a:p>
           <a:p>
             <a:pPr lvl="4"/>
             <a:r>
-              <a:rPr lang="en-US" smtClean="0"/>
+              <a:rPr lang="en-US"/>
               <a:t>Fifth level</a:t>
             </a:r>
             <a:endParaRPr lang="en-GB"/>
@@ -2575,7 +2803,7 @@
           <a:p>
             <a:fld id="{BEE06AA8-3858-48A5-AF1A-CAB2901765BA}" type="datetimeFigureOut">
               <a:rPr lang="en-GB" smtClean="0"/>
-              <a:t>11/03/2019</a:t>
+              <a:t>15/03/2019</a:t>
             </a:fld>
             <a:endParaRPr lang="en-GB"/>
           </a:p>
@@ -2673,7 +2901,7 @@
           </a:lstStyle>
           <a:p>
             <a:r>
-              <a:rPr lang="en-US" smtClean="0"/>
+              <a:rPr lang="en-US"/>
               <a:t>Click to edit Master title style</a:t>
             </a:r>
             <a:endParaRPr lang="en-GB"/>
@@ -2739,7 +2967,7 @@
           <a:p>
             <a:pPr lvl="0"/>
             <a:r>
-              <a:rPr lang="en-US" smtClean="0"/>
+              <a:rPr lang="en-US"/>
               <a:t>Click to edit Master text styles</a:t>
             </a:r>
           </a:p>
@@ -2795,35 +3023,35 @@
           <a:p>
             <a:pPr lvl="0"/>
             <a:r>
-              <a:rPr lang="en-US" smtClean="0"/>
+              <a:rPr lang="en-US"/>
               <a:t>Click to edit Master text styles</a:t>
             </a:r>
           </a:p>
           <a:p>
             <a:pPr lvl="1"/>
             <a:r>
-              <a:rPr lang="en-US" smtClean="0"/>
+              <a:rPr lang="en-US"/>
               <a:t>Second level</a:t>
             </a:r>
           </a:p>
           <a:p>
             <a:pPr lvl="2"/>
             <a:r>
-              <a:rPr lang="en-US" smtClean="0"/>
+              <a:rPr lang="en-US"/>
               <a:t>Third level</a:t>
             </a:r>
           </a:p>
           <a:p>
             <a:pPr lvl="3"/>
             <a:r>
-              <a:rPr lang="en-US" smtClean="0"/>
+              <a:rPr lang="en-US"/>
               <a:t>Fourth level</a:t>
             </a:r>
           </a:p>
           <a:p>
             <a:pPr lvl="4"/>
             <a:r>
-              <a:rPr lang="en-US" smtClean="0"/>
+              <a:rPr lang="en-US"/>
               <a:t>Fifth level</a:t>
             </a:r>
             <a:endParaRPr lang="en-GB"/>
@@ -2889,7 +3117,7 @@
           <a:p>
             <a:pPr lvl="0"/>
             <a:r>
-              <a:rPr lang="en-US" smtClean="0"/>
+              <a:rPr lang="en-US"/>
               <a:t>Click to edit Master text styles</a:t>
             </a:r>
           </a:p>
@@ -2945,35 +3173,35 @@
           <a:p>
             <a:pPr lvl="0"/>
             <a:r>
-              <a:rPr lang="en-US" smtClean="0"/>
+              <a:rPr lang="en-US"/>
               <a:t>Click to edit Master text styles</a:t>
             </a:r>
           </a:p>
           <a:p>
             <a:pPr lvl="1"/>
             <a:r>
-              <a:rPr lang="en-US" smtClean="0"/>
+              <a:rPr lang="en-US"/>
               <a:t>Second level</a:t>
             </a:r>
           </a:p>
           <a:p>
             <a:pPr lvl="2"/>
             <a:r>
-              <a:rPr lang="en-US" smtClean="0"/>
+              <a:rPr lang="en-US"/>
               <a:t>Third level</a:t>
             </a:r>
           </a:p>
           <a:p>
             <a:pPr lvl="3"/>
             <a:r>
-              <a:rPr lang="en-US" smtClean="0"/>
+              <a:rPr lang="en-US"/>
               <a:t>Fourth level</a:t>
             </a:r>
           </a:p>
           <a:p>
             <a:pPr lvl="4"/>
             <a:r>
-              <a:rPr lang="en-US" smtClean="0"/>
+              <a:rPr lang="en-US"/>
               <a:t>Fifth level</a:t>
             </a:r>
             <a:endParaRPr lang="en-GB"/>
@@ -2997,7 +3225,7 @@
           <a:p>
             <a:fld id="{BEE06AA8-3858-48A5-AF1A-CAB2901765BA}" type="datetimeFigureOut">
               <a:rPr lang="en-GB" smtClean="0"/>
-              <a:t>11/03/2019</a:t>
+              <a:t>15/03/2019</a:t>
             </a:fld>
             <a:endParaRPr lang="en-GB"/>
           </a:p>
@@ -3091,7 +3319,7 @@
           <a:lstStyle/>
           <a:p>
             <a:r>
-              <a:rPr lang="en-US" smtClean="0"/>
+              <a:rPr lang="en-US"/>
               <a:t>Click to edit Master title style</a:t>
             </a:r>
             <a:endParaRPr lang="en-GB"/>
@@ -3115,7 +3343,7 @@
           <a:p>
             <a:fld id="{BEE06AA8-3858-48A5-AF1A-CAB2901765BA}" type="datetimeFigureOut">
               <a:rPr lang="en-GB" smtClean="0"/>
-              <a:t>11/03/2019</a:t>
+              <a:t>15/03/2019</a:t>
             </a:fld>
             <a:endParaRPr lang="en-GB"/>
           </a:p>
@@ -3210,7 +3438,7 @@
           <a:p>
             <a:fld id="{BEE06AA8-3858-48A5-AF1A-CAB2901765BA}" type="datetimeFigureOut">
               <a:rPr lang="en-GB" smtClean="0"/>
-              <a:t>11/03/2019</a:t>
+              <a:t>15/03/2019</a:t>
             </a:fld>
             <a:endParaRPr lang="en-GB"/>
           </a:p>
@@ -3313,7 +3541,7 @@
           </a:lstStyle>
           <a:p>
             <a:r>
-              <a:rPr lang="en-US" smtClean="0"/>
+              <a:rPr lang="en-US"/>
               <a:t>Click to edit Master title style</a:t>
             </a:r>
             <a:endParaRPr lang="en-GB"/>
@@ -3370,35 +3598,35 @@
           <a:p>
             <a:pPr lvl="0"/>
             <a:r>
-              <a:rPr lang="en-US" smtClean="0"/>
+              <a:rPr lang="en-US"/>
               <a:t>Click to edit Master text styles</a:t>
             </a:r>
           </a:p>
           <a:p>
             <a:pPr lvl="1"/>
             <a:r>
-              <a:rPr lang="en-US" smtClean="0"/>
+              <a:rPr lang="en-US"/>
               <a:t>Second level</a:t>
             </a:r>
           </a:p>
           <a:p>
             <a:pPr lvl="2"/>
             <a:r>
-              <a:rPr lang="en-US" smtClean="0"/>
+              <a:rPr lang="en-US"/>
               <a:t>Third level</a:t>
             </a:r>
           </a:p>
           <a:p>
             <a:pPr lvl="3"/>
             <a:r>
-              <a:rPr lang="en-US" smtClean="0"/>
+              <a:rPr lang="en-US"/>
               <a:t>Fourth level</a:t>
             </a:r>
           </a:p>
           <a:p>
             <a:pPr lvl="4"/>
             <a:r>
-              <a:rPr lang="en-US" smtClean="0"/>
+              <a:rPr lang="en-US"/>
               <a:t>Fifth level</a:t>
             </a:r>
             <a:endParaRPr lang="en-GB"/>
@@ -3464,7 +3692,7 @@
           <a:p>
             <a:pPr lvl="0"/>
             <a:r>
-              <a:rPr lang="en-US" smtClean="0"/>
+              <a:rPr lang="en-US"/>
               <a:t>Click to edit Master text styles</a:t>
             </a:r>
           </a:p>
@@ -3487,7 +3715,7 @@
           <a:p>
             <a:fld id="{BEE06AA8-3858-48A5-AF1A-CAB2901765BA}" type="datetimeFigureOut">
               <a:rPr lang="en-GB" smtClean="0"/>
-              <a:t>11/03/2019</a:t>
+              <a:t>15/03/2019</a:t>
             </a:fld>
             <a:endParaRPr lang="en-GB"/>
           </a:p>
@@ -3590,7 +3818,7 @@
           </a:lstStyle>
           <a:p>
             <a:r>
-              <a:rPr lang="en-US" smtClean="0"/>
+              <a:rPr lang="en-US"/>
               <a:t>Click to edit Master title style</a:t>
             </a:r>
             <a:endParaRPr lang="en-GB"/>
@@ -3717,7 +3945,7 @@
           <a:p>
             <a:pPr lvl="0"/>
             <a:r>
-              <a:rPr lang="en-US" smtClean="0"/>
+              <a:rPr lang="en-US"/>
               <a:t>Click to edit Master text styles</a:t>
             </a:r>
           </a:p>
@@ -3740,7 +3968,7 @@
           <a:p>
             <a:fld id="{BEE06AA8-3858-48A5-AF1A-CAB2901765BA}" type="datetimeFigureOut">
               <a:rPr lang="en-GB" smtClean="0"/>
-              <a:t>11/03/2019</a:t>
+              <a:t>15/03/2019</a:t>
             </a:fld>
             <a:endParaRPr lang="en-GB"/>
           </a:p>
@@ -3849,7 +4077,7 @@
           <a:lstStyle/>
           <a:p>
             <a:r>
-              <a:rPr lang="en-US" smtClean="0"/>
+              <a:rPr lang="en-US"/>
               <a:t>Click to edit Master title style</a:t>
             </a:r>
             <a:endParaRPr lang="en-GB"/>
@@ -3883,35 +4111,35 @@
           <a:p>
             <a:pPr lvl="0"/>
             <a:r>
-              <a:rPr lang="en-US" smtClean="0"/>
+              <a:rPr lang="en-US"/>
               <a:t>Click to edit Master text styles</a:t>
             </a:r>
           </a:p>
           <a:p>
             <a:pPr lvl="1"/>
             <a:r>
-              <a:rPr lang="en-US" smtClean="0"/>
+              <a:rPr lang="en-US"/>
               <a:t>Second level</a:t>
             </a:r>
           </a:p>
           <a:p>
             <a:pPr lvl="2"/>
             <a:r>
-              <a:rPr lang="en-US" smtClean="0"/>
+              <a:rPr lang="en-US"/>
               <a:t>Third level</a:t>
             </a:r>
           </a:p>
           <a:p>
             <a:pPr lvl="3"/>
             <a:r>
-              <a:rPr lang="en-US" smtClean="0"/>
+              <a:rPr lang="en-US"/>
               <a:t>Fourth level</a:t>
             </a:r>
           </a:p>
           <a:p>
             <a:pPr lvl="4"/>
             <a:r>
-              <a:rPr lang="en-US" smtClean="0"/>
+              <a:rPr lang="en-US"/>
               <a:t>Fifth level</a:t>
             </a:r>
             <a:endParaRPr lang="en-GB"/>
@@ -3953,7 +4181,7 @@
           <a:p>
             <a:fld id="{BEE06AA8-3858-48A5-AF1A-CAB2901765BA}" type="datetimeFigureOut">
               <a:rPr lang="en-GB" smtClean="0"/>
-              <a:t>11/03/2019</a:t>
+              <a:t>15/03/2019</a:t>
             </a:fld>
             <a:endParaRPr lang="en-GB"/>
           </a:p>
@@ -4344,10 +4572,9 @@
           <a:lstStyle/>
           <a:p>
             <a:r>
-              <a:rPr lang="en-GB" dirty="0" smtClean="0"/>
+              <a:rPr lang="en-GB" dirty="0"/>
               <a:t>Effective Teams</a:t>
             </a:r>
-            <a:endParaRPr lang="en-GB" dirty="0"/>
           </a:p>
         </p:txBody>
       </p:sp>
@@ -4380,17 +4607,493 @@
   <p:clrMapOvr>
     <a:masterClrMapping/>
   </p:clrMapOvr>
-  <p:timing>
-    <p:tnLst>
-      <p:par>
-        <p:cTn id="1" dur="indefinite" restart="never" nodeType="tmRoot"/>
-      </p:par>
-    </p:tnLst>
-  </p:timing>
 </p:sld>
 </file>
 
 <file path=ppt/slides/slide10.xml><?xml version="1.0" encoding="utf-8"?>
+<p:sld xmlns:a="http://schemas.openxmlformats.org/drawingml/2006/main" xmlns:r="http://schemas.openxmlformats.org/officeDocument/2006/relationships" xmlns:p="http://schemas.openxmlformats.org/presentationml/2006/main">
+  <p:cSld>
+    <p:bg>
+      <p:bgPr>
+        <a:solidFill>
+          <a:schemeClr val="bg1"/>
+        </a:solidFill>
+        <a:effectLst/>
+      </p:bgPr>
+    </p:bg>
+    <p:spTree>
+      <p:nvGrpSpPr>
+        <p:cNvPr id="1" name=""/>
+        <p:cNvGrpSpPr/>
+        <p:nvPr/>
+      </p:nvGrpSpPr>
+      <p:grpSpPr>
+        <a:xfrm>
+          <a:off x="0" y="0"/>
+          <a:ext cx="0" cy="0"/>
+          <a:chOff x="0" y="0"/>
+          <a:chExt cx="0" cy="0"/>
+        </a:xfrm>
+      </p:grpSpPr>
+      <p:sp>
+        <p:nvSpPr>
+          <p:cNvPr id="81" name="Rectangle 80">
+            <a:extLst>
+              <a:ext uri="{FF2B5EF4-FFF2-40B4-BE49-F238E27FC236}">
+                <a16:creationId xmlns:a16="http://schemas.microsoft.com/office/drawing/2014/main" id="{FC0DEEBF-DB94-4E7E-A9D3-84FA863C3BD9}"/>
+              </a:ext>
+              <a:ext uri="{C183D7F6-B498-43B3-948B-1728B52AA6E4}">
+                <adec:decorative xmlns:adec="http://schemas.microsoft.com/office/drawing/2017/decorative" val="1"/>
+              </a:ext>
+            </a:extLst>
+          </p:cNvPr>
+          <p:cNvSpPr>
+            <a:spLocks noGrp="1" noRot="1" noChangeAspect="1" noMove="1" noResize="1" noEditPoints="1" noAdjustHandles="1" noChangeArrowheads="1" noChangeShapeType="1" noTextEdit="1"/>
+          </p:cNvSpPr>
+          <p:nvPr>
+            <p:extLst>
+              <p:ext uri="{386F3935-93C4-4BCD-93E2-E3B085C9AB24}">
+                <p16:designElem xmlns:p16="http://schemas.microsoft.com/office/powerpoint/2015/main" val="1"/>
+              </p:ext>
+            </p:extLst>
+          </p:nvPr>
+        </p:nvSpPr>
+        <p:spPr bwMode="ltGray">
+          <a:xfrm>
+            <a:off x="3531267" y="3509963"/>
+            <a:ext cx="5319162" cy="2967839"/>
+          </a:xfrm>
+          <a:prstGeom prst="rect">
+            <a:avLst/>
+          </a:prstGeom>
+          <a:solidFill>
+            <a:srgbClr val="404040"/>
+          </a:solidFill>
+          <a:ln w="127000" cap="sq" cmpd="thinThick">
+            <a:solidFill>
+              <a:srgbClr val="404040"/>
+            </a:solidFill>
+          </a:ln>
+        </p:spPr>
+        <p:style>
+          <a:lnRef idx="2">
+            <a:schemeClr val="accent1">
+              <a:shade val="50000"/>
+            </a:schemeClr>
+          </a:lnRef>
+          <a:fillRef idx="1">
+            <a:schemeClr val="accent1"/>
+          </a:fillRef>
+          <a:effectRef idx="0">
+            <a:schemeClr val="accent1"/>
+          </a:effectRef>
+          <a:fontRef idx="minor">
+            <a:schemeClr val="lt1"/>
+          </a:fontRef>
+        </p:style>
+        <p:txBody>
+          <a:bodyPr rtlCol="0" anchor="ctr"/>
+          <a:lstStyle/>
+          <a:p>
+            <a:pPr algn="ctr"/>
+            <a:endParaRPr lang="en-US" dirty="0"/>
+          </a:p>
+        </p:txBody>
+      </p:sp>
+      <p:sp>
+        <p:nvSpPr>
+          <p:cNvPr id="2" name="Title 1"/>
+          <p:cNvSpPr>
+            <a:spLocks noGrp="1"/>
+          </p:cNvSpPr>
+          <p:nvPr>
+            <p:ph type="title"/>
+          </p:nvPr>
+        </p:nvSpPr>
+        <p:spPr>
+          <a:xfrm>
+            <a:off x="3766365" y="3812954"/>
+            <a:ext cx="4848966" cy="1516014"/>
+          </a:xfrm>
+        </p:spPr>
+        <p:txBody>
+          <a:bodyPr vert="horz" lIns="91440" tIns="45720" rIns="91440" bIns="45720" rtlCol="0" anchor="b">
+            <a:normAutofit/>
+          </a:bodyPr>
+          <a:lstStyle/>
+          <a:p>
+            <a:pPr algn="l">
+              <a:lnSpc>
+                <a:spcPct val="90000"/>
+              </a:lnSpc>
+            </a:pPr>
+            <a:r>
+              <a:rPr lang="en-US" sz="4200" kern="1200">
+                <a:solidFill>
+                  <a:srgbClr val="FFFFFF"/>
+                </a:solidFill>
+                <a:latin typeface="+mj-lt"/>
+                <a:ea typeface="+mj-ea"/>
+                <a:cs typeface="+mj-cs"/>
+              </a:rPr>
+              <a:t>Colour Examples</a:t>
+            </a:r>
+          </a:p>
+        </p:txBody>
+      </p:sp>
+      <p:pic>
+        <p:nvPicPr>
+          <p:cNvPr id="11" name="Picture 10">
+            <a:extLst>
+              <a:ext uri="{FF2B5EF4-FFF2-40B4-BE49-F238E27FC236}">
+                <a16:creationId xmlns:a16="http://schemas.microsoft.com/office/drawing/2014/main" id="{F6F10CCD-3860-4DE4-8DBF-13F2ECAA1FAF}"/>
+              </a:ext>
+            </a:extLst>
+          </p:cNvPr>
+          <p:cNvPicPr>
+            <a:picLocks noChangeAspect="1"/>
+          </p:cNvPicPr>
+          <p:nvPr/>
+        </p:nvPicPr>
+        <p:blipFill rotWithShape="1">
+          <a:blip r:embed="rId2" cstate="print">
+            <a:extLst>
+              <a:ext uri="{28A0092B-C50C-407E-A947-70E740481C1C}">
+                <a14:useLocalDpi xmlns:a14="http://schemas.microsoft.com/office/drawing/2010/main" val="0"/>
+              </a:ext>
+            </a:extLst>
+          </a:blip>
+          <a:srcRect l="17187" r="4191" b="1"/>
+          <a:stretch/>
+        </p:blipFill>
+        <p:spPr>
+          <a:xfrm>
+            <a:off x="238226" y="321733"/>
+            <a:ext cx="3120339" cy="2222497"/>
+          </a:xfrm>
+          <a:prstGeom prst="rect">
+            <a:avLst/>
+          </a:prstGeom>
+        </p:spPr>
+      </p:pic>
+      <p:cxnSp>
+        <p:nvCxnSpPr>
+          <p:cNvPr id="83" name="Straight Connector 82">
+            <a:extLst>
+              <a:ext uri="{FF2B5EF4-FFF2-40B4-BE49-F238E27FC236}">
+                <a16:creationId xmlns:a16="http://schemas.microsoft.com/office/drawing/2014/main" id="{77A9CA3A-7216-41E0-B3CD-058077FD396D}"/>
+              </a:ext>
+              <a:ext uri="{C183D7F6-B498-43B3-948B-1728B52AA6E4}">
+                <adec:decorative xmlns:adec="http://schemas.microsoft.com/office/drawing/2017/decorative" val="1"/>
+              </a:ext>
+            </a:extLst>
+          </p:cNvPr>
+          <p:cNvCxnSpPr>
+            <a:cxnSpLocks noGrp="1" noRot="1" noChangeAspect="1" noMove="1" noResize="1" noEditPoints="1" noAdjustHandles="1" noChangeArrowheads="1" noChangeShapeType="1"/>
+          </p:cNvCxnSpPr>
+          <p:nvPr>
+            <p:extLst>
+              <p:ext uri="{386F3935-93C4-4BCD-93E2-E3B085C9AB24}">
+                <p16:designElem xmlns:p16="http://schemas.microsoft.com/office/powerpoint/2015/main" val="1"/>
+              </p:ext>
+            </p:extLst>
+          </p:nvPr>
+        </p:nvCxnSpPr>
+        <p:spPr>
+          <a:xfrm>
+            <a:off x="3853715" y="5443086"/>
+            <a:ext cx="4800600" cy="0"/>
+          </a:xfrm>
+          <a:prstGeom prst="line">
+            <a:avLst/>
+          </a:prstGeom>
+          <a:ln w="22225">
+            <a:solidFill>
+              <a:srgbClr val="D9D9D9"/>
+            </a:solidFill>
+          </a:ln>
+        </p:spPr>
+        <p:style>
+          <a:lnRef idx="1">
+            <a:schemeClr val="accent1"/>
+          </a:lnRef>
+          <a:fillRef idx="0">
+            <a:schemeClr val="accent1"/>
+          </a:fillRef>
+          <a:effectRef idx="0">
+            <a:schemeClr val="accent1"/>
+          </a:effectRef>
+          <a:fontRef idx="minor">
+            <a:schemeClr val="tx1"/>
+          </a:fontRef>
+        </p:style>
+      </p:cxnSp>
+      <p:pic>
+        <p:nvPicPr>
+          <p:cNvPr id="4115" name="Picture 2"/>
+          <p:cNvPicPr>
+            <a:picLocks noGrp="1" noChangeAspect="1" noChangeArrowheads="1"/>
+          </p:cNvPicPr>
+          <p:nvPr>
+            <p:ph idx="1"/>
+          </p:nvPr>
+        </p:nvPicPr>
+        <p:blipFill rotWithShape="1">
+          <a:blip r:embed="rId3" cstate="print">
+            <a:extLst>
+              <a:ext uri="{28A0092B-C50C-407E-A947-70E740481C1C}">
+                <a14:useLocalDpi xmlns:a14="http://schemas.microsoft.com/office/drawing/2010/main" val="0"/>
+              </a:ext>
+            </a:extLst>
+          </a:blip>
+          <a:srcRect t="3772" r="3" b="14274"/>
+          <a:stretch/>
+        </p:blipFill>
+        <p:spPr bwMode="auto">
+          <a:xfrm>
+            <a:off x="238226" y="2705099"/>
+            <a:ext cx="3120339" cy="3831167"/>
+          </a:xfrm>
+          <a:prstGeom prst="rect">
+            <a:avLst/>
+          </a:prstGeom>
+          <a:noFill/>
+          <a:extLst>
+            <a:ext uri="{909E8E84-426E-40DD-AFC4-6F175D3DCCD1}">
+              <a14:hiddenFill xmlns:a14="http://schemas.microsoft.com/office/drawing/2010/main">
+                <a:solidFill>
+                  <a:schemeClr val="accent1"/>
+                </a:solidFill>
+              </a14:hiddenFill>
+            </a:ext>
+            <a:ext uri="{91240B29-F687-4F45-9708-019B960494DF}">
+              <a14:hiddenLine xmlns:a14="http://schemas.microsoft.com/office/drawing/2010/main" w="9525">
+                <a:solidFill>
+                  <a:schemeClr val="tx1"/>
+                </a:solidFill>
+                <a:miter lim="800000"/>
+                <a:headEnd/>
+                <a:tailEnd/>
+              </a14:hiddenLine>
+            </a:ext>
+          </a:extLst>
+        </p:spPr>
+      </p:pic>
+      <p:pic>
+        <p:nvPicPr>
+          <p:cNvPr id="4108" name="Picture 12"/>
+          <p:cNvPicPr>
+            <a:picLocks noChangeAspect="1" noChangeArrowheads="1"/>
+          </p:cNvPicPr>
+          <p:nvPr/>
+        </p:nvPicPr>
+        <p:blipFill rotWithShape="1">
+          <a:blip r:embed="rId4">
+            <a:extLst>
+              <a:ext uri="{28A0092B-C50C-407E-A947-70E740481C1C}">
+                <a14:useLocalDpi xmlns:a14="http://schemas.microsoft.com/office/drawing/2010/main" val="0"/>
+              </a:ext>
+            </a:extLst>
+          </a:blip>
+          <a:srcRect l="32924" r="26425" b="2"/>
+          <a:stretch/>
+        </p:blipFill>
+        <p:spPr bwMode="auto">
+          <a:xfrm>
+            <a:off x="3479006" y="299364"/>
+            <a:ext cx="2081485" cy="3008188"/>
+          </a:xfrm>
+          <a:prstGeom prst="rect">
+            <a:avLst/>
+          </a:prstGeom>
+          <a:noFill/>
+          <a:extLst>
+            <a:ext uri="{909E8E84-426E-40DD-AFC4-6F175D3DCCD1}">
+              <a14:hiddenFill xmlns:a14="http://schemas.microsoft.com/office/drawing/2010/main">
+                <a:solidFill>
+                  <a:schemeClr val="accent1"/>
+                </a:solidFill>
+              </a14:hiddenFill>
+            </a:ext>
+            <a:ext uri="{91240B29-F687-4F45-9708-019B960494DF}">
+              <a14:hiddenLine xmlns:a14="http://schemas.microsoft.com/office/drawing/2010/main" w="9525">
+                <a:solidFill>
+                  <a:schemeClr val="tx1"/>
+                </a:solidFill>
+                <a:miter lim="800000"/>
+                <a:headEnd/>
+                <a:tailEnd/>
+              </a14:hiddenLine>
+            </a:ext>
+          </a:extLst>
+        </p:spPr>
+      </p:pic>
+      <p:pic>
+        <p:nvPicPr>
+          <p:cNvPr id="9" name="Picture 8">
+            <a:extLst>
+              <a:ext uri="{FF2B5EF4-FFF2-40B4-BE49-F238E27FC236}">
+                <a16:creationId xmlns:a16="http://schemas.microsoft.com/office/drawing/2014/main" id="{43E76FB6-BB85-4EB3-A653-1ECB2C774E28}"/>
+              </a:ext>
+            </a:extLst>
+          </p:cNvPr>
+          <p:cNvPicPr>
+            <a:picLocks noChangeAspect="1"/>
+          </p:cNvPicPr>
+          <p:nvPr/>
+        </p:nvPicPr>
+        <p:blipFill rotWithShape="1">
+          <a:blip r:embed="rId5">
+            <a:extLst>
+              <a:ext uri="{28A0092B-C50C-407E-A947-70E740481C1C}">
+                <a14:useLocalDpi xmlns:a14="http://schemas.microsoft.com/office/drawing/2010/main" val="0"/>
+              </a:ext>
+            </a:extLst>
+          </a:blip>
+          <a:srcRect l="12547" r="27294" b="-3"/>
+          <a:stretch/>
+        </p:blipFill>
+        <p:spPr>
+          <a:xfrm>
+            <a:off x="5681103" y="299363"/>
+            <a:ext cx="3231516" cy="3008188"/>
+          </a:xfrm>
+          <a:prstGeom prst="rect">
+            <a:avLst/>
+          </a:prstGeom>
+        </p:spPr>
+      </p:pic>
+      <p:sp>
+        <p:nvSpPr>
+          <p:cNvPr id="4" name="AutoShape 6" descr="Image result for mother teresa"/>
+          <p:cNvSpPr>
+            <a:spLocks noChangeAspect="1" noChangeArrowheads="1"/>
+          </p:cNvSpPr>
+          <p:nvPr/>
+        </p:nvSpPr>
+        <p:spPr bwMode="auto">
+          <a:xfrm>
+            <a:off x="155575" y="-144463"/>
+            <a:ext cx="304800" cy="304801"/>
+          </a:xfrm>
+          <a:prstGeom prst="rect">
+            <a:avLst/>
+          </a:prstGeom>
+          <a:noFill/>
+          <a:extLst>
+            <a:ext uri="{909E8E84-426E-40DD-AFC4-6F175D3DCCD1}">
+              <a14:hiddenFill xmlns:a14="http://schemas.microsoft.com/office/drawing/2010/main">
+                <a:solidFill>
+                  <a:srgbClr val="FFFFFF"/>
+                </a:solidFill>
+              </a14:hiddenFill>
+            </a:ext>
+          </a:extLst>
+        </p:spPr>
+        <p:txBody>
+          <a:bodyPr vert="horz" wrap="square" lIns="91440" tIns="45720" rIns="91440" bIns="45720" numCol="1" anchor="t" anchorCtr="0" compatLnSpc="1">
+            <a:prstTxWarp prst="textNoShape">
+              <a:avLst/>
+            </a:prstTxWarp>
+          </a:bodyPr>
+          <a:lstStyle/>
+          <a:p>
+            <a:endParaRPr lang="en-GB"/>
+          </a:p>
+        </p:txBody>
+      </p:sp>
+      <p:sp>
+        <p:nvSpPr>
+          <p:cNvPr id="5" name="AutoShape 8" descr="Image result for mother teresa"/>
+          <p:cNvSpPr>
+            <a:spLocks noChangeAspect="1" noChangeArrowheads="1"/>
+          </p:cNvSpPr>
+          <p:nvPr/>
+        </p:nvSpPr>
+        <p:spPr bwMode="auto">
+          <a:xfrm>
+            <a:off x="307975" y="7937"/>
+            <a:ext cx="304800" cy="304801"/>
+          </a:xfrm>
+          <a:prstGeom prst="rect">
+            <a:avLst/>
+          </a:prstGeom>
+          <a:noFill/>
+          <a:extLst>
+            <a:ext uri="{909E8E84-426E-40DD-AFC4-6F175D3DCCD1}">
+              <a14:hiddenFill xmlns:a14="http://schemas.microsoft.com/office/drawing/2010/main">
+                <a:solidFill>
+                  <a:srgbClr val="FFFFFF"/>
+                </a:solidFill>
+              </a14:hiddenFill>
+            </a:ext>
+          </a:extLst>
+        </p:spPr>
+        <p:txBody>
+          <a:bodyPr vert="horz" wrap="square" lIns="91440" tIns="45720" rIns="91440" bIns="45720" numCol="1" anchor="t" anchorCtr="0" compatLnSpc="1">
+            <a:prstTxWarp prst="textNoShape">
+              <a:avLst/>
+            </a:prstTxWarp>
+          </a:bodyPr>
+          <a:lstStyle/>
+          <a:p>
+            <a:endParaRPr lang="en-GB"/>
+          </a:p>
+        </p:txBody>
+      </p:sp>
+      <p:sp>
+        <p:nvSpPr>
+          <p:cNvPr id="6" name="AutoShape 10" descr="Image result for mother teresa"/>
+          <p:cNvSpPr>
+            <a:spLocks noChangeAspect="1" noChangeArrowheads="1"/>
+          </p:cNvSpPr>
+          <p:nvPr/>
+        </p:nvSpPr>
+        <p:spPr bwMode="auto">
+          <a:xfrm>
+            <a:off x="460375" y="160337"/>
+            <a:ext cx="304800" cy="304801"/>
+          </a:xfrm>
+          <a:prstGeom prst="rect">
+            <a:avLst/>
+          </a:prstGeom>
+          <a:noFill/>
+          <a:extLst>
+            <a:ext uri="{909E8E84-426E-40DD-AFC4-6F175D3DCCD1}">
+              <a14:hiddenFill xmlns:a14="http://schemas.microsoft.com/office/drawing/2010/main">
+                <a:solidFill>
+                  <a:srgbClr val="FFFFFF"/>
+                </a:solidFill>
+              </a14:hiddenFill>
+            </a:ext>
+          </a:extLst>
+        </p:spPr>
+        <p:txBody>
+          <a:bodyPr vert="horz" wrap="square" lIns="91440" tIns="45720" rIns="91440" bIns="45720" numCol="1" anchor="t" anchorCtr="0" compatLnSpc="1">
+            <a:prstTxWarp prst="textNoShape">
+              <a:avLst/>
+            </a:prstTxWarp>
+          </a:bodyPr>
+          <a:lstStyle/>
+          <a:p>
+            <a:endParaRPr lang="en-GB"/>
+          </a:p>
+        </p:txBody>
+      </p:sp>
+    </p:spTree>
+    <p:extLst>
+      <p:ext uri="{BB962C8B-B14F-4D97-AF65-F5344CB8AC3E}">
+        <p14:creationId xmlns:p14="http://schemas.microsoft.com/office/powerpoint/2010/main" val="2639912535"/>
+      </p:ext>
+    </p:extLst>
+  </p:cSld>
+  <p:clrMapOvr>
+    <a:masterClrMapping/>
+  </p:clrMapOvr>
+</p:sld>
+</file>
+
+<file path=ppt/slides/slide11.xml><?xml version="1.0" encoding="utf-8"?>
 <p:sld xmlns:a="http://schemas.openxmlformats.org/drawingml/2006/main" xmlns:r="http://schemas.openxmlformats.org/officeDocument/2006/relationships" xmlns:p="http://schemas.openxmlformats.org/presentationml/2006/main">
   <p:cSld>
     <p:spTree>
@@ -4419,25 +5122,321 @@
         </p:nvSpPr>
         <p:spPr/>
         <p:txBody>
+          <a:bodyPr/>
+          <a:lstStyle/>
+          <a:p>
+            <a:r>
+              <a:rPr lang="en-GB" dirty="0"/>
+              <a:t>Colour Energies on a bad day</a:t>
+            </a:r>
+          </a:p>
+        </p:txBody>
+      </p:sp>
+      <p:sp>
+        <p:nvSpPr>
+          <p:cNvPr id="3" name="Content Placeholder 2"/>
+          <p:cNvSpPr>
+            <a:spLocks noGrp="1"/>
+          </p:cNvSpPr>
+          <p:nvPr>
+            <p:ph idx="1"/>
+          </p:nvPr>
+        </p:nvSpPr>
+        <p:spPr>
+          <a:xfrm>
+            <a:off x="3059832" y="1600200"/>
+            <a:ext cx="5626968" cy="4525963"/>
+          </a:xfrm>
+        </p:spPr>
+        <p:txBody>
+          <a:bodyPr>
+            <a:normAutofit lnSpcReduction="10000"/>
+          </a:bodyPr>
+          <a:lstStyle/>
+          <a:p>
+            <a:r>
+              <a:rPr lang="en-GB" dirty="0"/>
+              <a:t>Stuffy, indecisive, cold, reserved</a:t>
+            </a:r>
+          </a:p>
+          <a:p>
+            <a:r>
+              <a:rPr lang="en-GB" dirty="0"/>
+              <a:t>Aggressive, controlling, driving, overbearing, intolerant</a:t>
+            </a:r>
+          </a:p>
+          <a:p>
+            <a:r>
+              <a:rPr lang="en-GB" dirty="0"/>
+              <a:t>Excitable, frantic, indiscreet, flamboyant, hasty</a:t>
+            </a:r>
+          </a:p>
+          <a:p>
+            <a:r>
+              <a:rPr lang="en-GB" dirty="0"/>
+              <a:t>Docile, bland, plodding, reliant, stubborn</a:t>
+            </a:r>
+          </a:p>
+        </p:txBody>
+      </p:sp>
+      <p:sp>
+        <p:nvSpPr>
+          <p:cNvPr id="8" name="Rectangle 7"/>
+          <p:cNvSpPr/>
+          <p:nvPr/>
+        </p:nvSpPr>
+        <p:spPr>
+          <a:xfrm>
+            <a:off x="827584" y="1772816"/>
+            <a:ext cx="1440160" cy="648072"/>
+          </a:xfrm>
+          <a:prstGeom prst="rect">
+            <a:avLst/>
+          </a:prstGeom>
+        </p:spPr>
+        <p:style>
+          <a:lnRef idx="2">
+            <a:schemeClr val="accent1">
+              <a:shade val="50000"/>
+            </a:schemeClr>
+          </a:lnRef>
+          <a:fillRef idx="1">
+            <a:schemeClr val="accent1"/>
+          </a:fillRef>
+          <a:effectRef idx="0">
+            <a:schemeClr val="accent1"/>
+          </a:effectRef>
+          <a:fontRef idx="minor">
+            <a:schemeClr val="lt1"/>
+          </a:fontRef>
+        </p:style>
+        <p:txBody>
+          <a:bodyPr rtlCol="0" anchor="ctr"/>
+          <a:lstStyle/>
+          <a:p>
+            <a:pPr algn="ctr"/>
+            <a:r>
+              <a:rPr lang="en-GB" dirty="0">
+                <a:solidFill>
+                  <a:prstClr val="white"/>
+                </a:solidFill>
+              </a:rPr>
+              <a:t>Cool Blue</a:t>
+            </a:r>
+          </a:p>
+        </p:txBody>
+      </p:sp>
+      <p:sp>
+        <p:nvSpPr>
+          <p:cNvPr id="9" name="Rectangle 8"/>
+          <p:cNvSpPr/>
+          <p:nvPr/>
+        </p:nvSpPr>
+        <p:spPr>
+          <a:xfrm>
+            <a:off x="827584" y="2852936"/>
+            <a:ext cx="1440160" cy="648072"/>
+          </a:xfrm>
+          <a:prstGeom prst="rect">
+            <a:avLst/>
+          </a:prstGeom>
+          <a:solidFill>
+            <a:schemeClr val="accent2"/>
+          </a:solidFill>
+        </p:spPr>
+        <p:style>
+          <a:lnRef idx="2">
+            <a:schemeClr val="accent1">
+              <a:shade val="50000"/>
+            </a:schemeClr>
+          </a:lnRef>
+          <a:fillRef idx="1">
+            <a:schemeClr val="accent1"/>
+          </a:fillRef>
+          <a:effectRef idx="0">
+            <a:schemeClr val="accent1"/>
+          </a:effectRef>
+          <a:fontRef idx="minor">
+            <a:schemeClr val="lt1"/>
+          </a:fontRef>
+        </p:style>
+        <p:txBody>
+          <a:bodyPr rtlCol="0" anchor="ctr"/>
+          <a:lstStyle/>
+          <a:p>
+            <a:pPr algn="ctr"/>
+            <a:r>
+              <a:rPr lang="en-GB" dirty="0" err="1">
+                <a:solidFill>
+                  <a:prstClr val="white"/>
+                </a:solidFill>
+              </a:rPr>
+              <a:t>Firey</a:t>
+            </a:r>
+            <a:r>
+              <a:rPr lang="en-GB" dirty="0">
+                <a:solidFill>
+                  <a:prstClr val="white"/>
+                </a:solidFill>
+              </a:rPr>
+              <a:t> Red</a:t>
+            </a:r>
+          </a:p>
+        </p:txBody>
+      </p:sp>
+      <p:sp>
+        <p:nvSpPr>
+          <p:cNvPr id="10" name="Rectangle 9"/>
+          <p:cNvSpPr/>
+          <p:nvPr/>
+        </p:nvSpPr>
+        <p:spPr>
+          <a:xfrm>
+            <a:off x="827584" y="4149080"/>
+            <a:ext cx="1440160" cy="648072"/>
+          </a:xfrm>
+          <a:prstGeom prst="rect">
+            <a:avLst/>
+          </a:prstGeom>
+          <a:solidFill>
+            <a:srgbClr val="FFFF00"/>
+          </a:solidFill>
+        </p:spPr>
+        <p:style>
+          <a:lnRef idx="2">
+            <a:schemeClr val="accent1">
+              <a:shade val="50000"/>
+            </a:schemeClr>
+          </a:lnRef>
+          <a:fillRef idx="1">
+            <a:schemeClr val="accent1"/>
+          </a:fillRef>
+          <a:effectRef idx="0">
+            <a:schemeClr val="accent1"/>
+          </a:effectRef>
+          <a:fontRef idx="minor">
+            <a:schemeClr val="lt1"/>
+          </a:fontRef>
+        </p:style>
+        <p:txBody>
+          <a:bodyPr rtlCol="0" anchor="ctr"/>
+          <a:lstStyle/>
+          <a:p>
+            <a:pPr algn="ctr"/>
+            <a:r>
+              <a:rPr lang="en-GB" dirty="0">
+                <a:solidFill>
+                  <a:prstClr val="black"/>
+                </a:solidFill>
+              </a:rPr>
+              <a:t>Sunshine Yellow</a:t>
+            </a:r>
+          </a:p>
+        </p:txBody>
+      </p:sp>
+      <p:sp>
+        <p:nvSpPr>
+          <p:cNvPr id="11" name="Rectangle 10"/>
+          <p:cNvSpPr/>
+          <p:nvPr/>
+        </p:nvSpPr>
+        <p:spPr>
+          <a:xfrm>
+            <a:off x="827584" y="5157192"/>
+            <a:ext cx="1440160" cy="648072"/>
+          </a:xfrm>
+          <a:prstGeom prst="rect">
+            <a:avLst/>
+          </a:prstGeom>
+          <a:solidFill>
+            <a:srgbClr val="00B050"/>
+          </a:solidFill>
+        </p:spPr>
+        <p:style>
+          <a:lnRef idx="2">
+            <a:schemeClr val="accent1">
+              <a:shade val="50000"/>
+            </a:schemeClr>
+          </a:lnRef>
+          <a:fillRef idx="1">
+            <a:schemeClr val="accent1"/>
+          </a:fillRef>
+          <a:effectRef idx="0">
+            <a:schemeClr val="accent1"/>
+          </a:effectRef>
+          <a:fontRef idx="minor">
+            <a:schemeClr val="lt1"/>
+          </a:fontRef>
+        </p:style>
+        <p:txBody>
+          <a:bodyPr rtlCol="0" anchor="ctr"/>
+          <a:lstStyle/>
+          <a:p>
+            <a:pPr algn="ctr"/>
+            <a:r>
+              <a:rPr lang="en-GB" dirty="0">
+                <a:solidFill>
+                  <a:prstClr val="white"/>
+                </a:solidFill>
+              </a:rPr>
+              <a:t>Earth Green</a:t>
+            </a:r>
+          </a:p>
+        </p:txBody>
+      </p:sp>
+    </p:spTree>
+    <p:extLst>
+      <p:ext uri="{BB962C8B-B14F-4D97-AF65-F5344CB8AC3E}">
+        <p14:creationId xmlns:p14="http://schemas.microsoft.com/office/powerpoint/2010/main" val="2983715833"/>
+      </p:ext>
+    </p:extLst>
+  </p:cSld>
+  <p:clrMapOvr>
+    <a:masterClrMapping/>
+  </p:clrMapOvr>
+</p:sld>
+</file>
+
+<file path=ppt/slides/slide12.xml><?xml version="1.0" encoding="utf-8"?>
+<p:sld xmlns:a="http://schemas.openxmlformats.org/drawingml/2006/main" xmlns:r="http://schemas.openxmlformats.org/officeDocument/2006/relationships" xmlns:p="http://schemas.openxmlformats.org/presentationml/2006/main">
+  <p:cSld>
+    <p:spTree>
+      <p:nvGrpSpPr>
+        <p:cNvPr id="1" name=""/>
+        <p:cNvGrpSpPr/>
+        <p:nvPr/>
+      </p:nvGrpSpPr>
+      <p:grpSpPr>
+        <a:xfrm>
+          <a:off x="0" y="0"/>
+          <a:ext cx="0" cy="0"/>
+          <a:chOff x="0" y="0"/>
+          <a:chExt cx="0" cy="0"/>
+        </a:xfrm>
+      </p:grpSpPr>
+      <p:sp>
+        <p:nvSpPr>
+          <p:cNvPr id="2" name="Title 1"/>
+          <p:cNvSpPr>
+            <a:spLocks noGrp="1"/>
+          </p:cNvSpPr>
+          <p:nvPr>
+            <p:ph type="title"/>
+          </p:nvPr>
+        </p:nvSpPr>
+        <p:spPr/>
+        <p:txBody>
           <a:bodyPr>
             <a:normAutofit fontScale="90000"/>
           </a:bodyPr>
           <a:lstStyle/>
           <a:p>
-            <a:r>
-              <a:rPr lang="en-GB" dirty="0"/>
-              <a:t/>
-            </a:r>
             <a:br>
               <a:rPr lang="en-GB" dirty="0"/>
             </a:br>
             <a:r>
-              <a:rPr lang="en-GB" dirty="0" smtClean="0"/>
+              <a:rPr lang="en-GB" dirty="0"/>
               <a:t>What Are We Like? </a:t>
-            </a:r>
-            <a:r>
-              <a:rPr lang="en-GB" dirty="0"/>
-              <a:t/>
             </a:r>
             <a:br>
               <a:rPr lang="en-GB" dirty="0"/>
@@ -4462,7 +5461,7 @@
           <a:lstStyle/>
           <a:p>
             <a:r>
-              <a:rPr lang="en-US" u="sng" dirty="0" smtClean="0">
+              <a:rPr lang="en-US" u="sng" dirty="0">
                 <a:hlinkClick r:id="rId2"/>
               </a:rPr>
               <a:t>https://www.16personalities.com/</a:t>
@@ -4481,17 +5480,10 @@
   <p:clrMapOvr>
     <a:masterClrMapping/>
   </p:clrMapOvr>
-  <p:timing>
-    <p:tnLst>
-      <p:par>
-        <p:cTn id="1" dur="indefinite" restart="never" nodeType="tmRoot"/>
-      </p:par>
-    </p:tnLst>
-  </p:timing>
 </p:sld>
 </file>
 
-<file path=ppt/slides/slide11.xml><?xml version="1.0" encoding="utf-8"?>
+<file path=ppt/slides/slide13.xml><?xml version="1.0" encoding="utf-8"?>
 <p:sld xmlns:a="http://schemas.openxmlformats.org/drawingml/2006/main" xmlns:r="http://schemas.openxmlformats.org/officeDocument/2006/relationships" xmlns:p="http://schemas.openxmlformats.org/presentationml/2006/main">
   <p:cSld>
     <p:spTree>
@@ -4553,10 +5545,9 @@
           <a:lstStyle/>
           <a:p>
             <a:r>
-              <a:rPr lang="en-US" sz="4400" dirty="0" smtClean="0"/>
+              <a:rPr lang="en-US" sz="4400" dirty="0"/>
               <a:t>Dealing with Change</a:t>
             </a:r>
-            <a:endParaRPr lang="en-US" sz="4400" dirty="0"/>
           </a:p>
         </p:txBody>
       </p:sp>
@@ -4570,13 +5561,6 @@
   <p:clrMapOvr>
     <a:masterClrMapping/>
   </p:clrMapOvr>
-  <p:timing>
-    <p:tnLst>
-      <p:par>
-        <p:cTn id="1" dur="indefinite" restart="never" nodeType="tmRoot"/>
-      </p:par>
-    </p:tnLst>
-  </p:timing>
 </p:sld>
 </file>
 
@@ -4673,13 +5657,6 @@
   <p:clrMapOvr>
     <a:masterClrMapping/>
   </p:clrMapOvr>
-  <p:timing>
-    <p:tnLst>
-      <p:par>
-        <p:cTn id="1" dur="indefinite" restart="never" nodeType="tmRoot"/>
-      </p:par>
-    </p:tnLst>
-  </p:timing>
 </p:sld>
 </file>
 
@@ -4718,10 +5695,9 @@
           <a:lstStyle/>
           <a:p>
             <a:r>
-              <a:rPr lang="en-GB" dirty="0" smtClean="0"/>
+              <a:rPr lang="en-GB" dirty="0"/>
               <a:t>Team Manifesto - Optional Exercise</a:t>
             </a:r>
-            <a:endParaRPr lang="en-GB" dirty="0"/>
           </a:p>
         </p:txBody>
       </p:sp>
@@ -4741,27 +5717,27 @@
           <a:lstStyle/>
           <a:p>
             <a:r>
-              <a:rPr lang="en-GB" dirty="0" smtClean="0"/>
+              <a:rPr lang="en-GB" dirty="0"/>
               <a:t>Forming</a:t>
             </a:r>
           </a:p>
           <a:p>
             <a:r>
-              <a:rPr lang="en-GB" dirty="0" smtClean="0"/>
+              <a:rPr lang="en-GB" dirty="0"/>
               <a:t>Create a set of ground rules for a newly formed team</a:t>
             </a:r>
           </a:p>
           <a:p>
             <a:pPr lvl="1"/>
             <a:r>
-              <a:rPr lang="en-GB" dirty="0" smtClean="0"/>
+              <a:rPr lang="en-GB" dirty="0"/>
               <a:t>Dealing with other teams</a:t>
             </a:r>
           </a:p>
           <a:p>
             <a:pPr lvl="1"/>
             <a:r>
-              <a:rPr lang="en-GB" dirty="0" smtClean="0"/>
+              <a:rPr lang="en-GB" dirty="0"/>
               <a:t>Dealing with other team members</a:t>
             </a:r>
           </a:p>
@@ -4854,19 +5830,20 @@
   <p:clrMapOvr>
     <a:masterClrMapping/>
   </p:clrMapOvr>
-  <p:timing>
-    <p:tnLst>
-      <p:par>
-        <p:cTn id="1" dur="indefinite" restart="never" nodeType="tmRoot"/>
-      </p:par>
-    </p:tnLst>
-  </p:timing>
 </p:sld>
 </file>
 
 <file path=ppt/slides/slide5.xml><?xml version="1.0" encoding="utf-8"?>
 <p:sld xmlns:a="http://schemas.openxmlformats.org/drawingml/2006/main" xmlns:r="http://schemas.openxmlformats.org/officeDocument/2006/relationships" xmlns:p="http://schemas.openxmlformats.org/presentationml/2006/main">
   <p:cSld>
+    <p:bg>
+      <p:bgPr>
+        <a:solidFill>
+          <a:schemeClr val="bg1"/>
+        </a:solidFill>
+        <a:effectLst/>
+      </p:bgPr>
+    </p:bg>
     <p:spTree>
       <p:nvGrpSpPr>
         <p:cNvPr id="1" name=""/>
@@ -4883,6 +5860,100 @@
       </p:grpSpPr>
       <p:sp>
         <p:nvSpPr>
+          <p:cNvPr id="11" name="Rectangle 10">
+            <a:extLst>
+              <a:ext uri="{FF2B5EF4-FFF2-40B4-BE49-F238E27FC236}">
+                <a16:creationId xmlns:a16="http://schemas.microsoft.com/office/drawing/2014/main" id="{823AC064-BC96-4F32-8AE1-B2FD38754823}"/>
+              </a:ext>
+              <a:ext uri="{C183D7F6-B498-43B3-948B-1728B52AA6E4}">
+                <adec:decorative xmlns:adec="http://schemas.microsoft.com/office/drawing/2017/decorative" val="1"/>
+              </a:ext>
+            </a:extLst>
+          </p:cNvPr>
+          <p:cNvSpPr>
+            <a:spLocks noGrp="1" noRot="1" noChangeAspect="1" noMove="1" noResize="1" noEditPoints="1" noAdjustHandles="1" noChangeArrowheads="1" noChangeShapeType="1" noTextEdit="1"/>
+          </p:cNvSpPr>
+          <p:nvPr>
+            <p:extLst>
+              <p:ext uri="{386F3935-93C4-4BCD-93E2-E3B085C9AB24}">
+                <p16:designElem xmlns:p16="http://schemas.microsoft.com/office/powerpoint/2015/main" val="1"/>
+              </p:ext>
+            </p:extLst>
+          </p:nvPr>
+        </p:nvSpPr>
+        <p:spPr bwMode="ltGray">
+          <a:xfrm>
+            <a:off x="283551" y="343486"/>
+            <a:ext cx="8579094" cy="1844256"/>
+          </a:xfrm>
+          <a:prstGeom prst="rect">
+            <a:avLst/>
+          </a:prstGeom>
+          <a:solidFill>
+            <a:srgbClr val="404040"/>
+          </a:solidFill>
+          <a:ln w="127000" cap="sq" cmpd="thinThick">
+            <a:solidFill>
+              <a:srgbClr val="404040"/>
+            </a:solidFill>
+          </a:ln>
+        </p:spPr>
+        <p:style>
+          <a:lnRef idx="2">
+            <a:schemeClr val="accent1">
+              <a:shade val="50000"/>
+            </a:schemeClr>
+          </a:lnRef>
+          <a:fillRef idx="1">
+            <a:schemeClr val="accent1"/>
+          </a:fillRef>
+          <a:effectRef idx="0">
+            <a:schemeClr val="accent1"/>
+          </a:effectRef>
+          <a:fontRef idx="minor">
+            <a:schemeClr val="lt1"/>
+          </a:fontRef>
+        </p:style>
+        <p:txBody>
+          <a:bodyPr rtlCol="0" anchor="ctr"/>
+          <a:lstStyle/>
+          <a:p>
+            <a:pPr marL="0" marR="0" lvl="0" indent="0" algn="ctr" defTabSz="914400" rtl="0" eaLnBrk="1" fontAlgn="auto" latinLnBrk="0" hangingPunct="1">
+              <a:lnSpc>
+                <a:spcPct val="100000"/>
+              </a:lnSpc>
+              <a:spcBef>
+                <a:spcPts val="0"/>
+              </a:spcBef>
+              <a:spcAft>
+                <a:spcPts val="0"/>
+              </a:spcAft>
+              <a:buClrTx/>
+              <a:buSzTx/>
+              <a:buFontTx/>
+              <a:buNone/>
+              <a:tabLst/>
+              <a:defRPr/>
+            </a:pPr>
+            <a:endParaRPr kumimoji="0" lang="en-US" sz="1800" b="0" i="0" u="none" strike="noStrike" kern="1200" cap="none" spc="0" normalizeH="0" baseline="0" noProof="0">
+              <a:ln>
+                <a:noFill/>
+              </a:ln>
+              <a:solidFill>
+                <a:prstClr val="white"/>
+              </a:solidFill>
+              <a:effectLst/>
+              <a:uLnTx/>
+              <a:uFillTx/>
+              <a:latin typeface="Calibri" panose="020F0502020204030204"/>
+              <a:ea typeface="+mn-ea"/>
+              <a:cs typeface="+mn-cs"/>
+            </a:endParaRPr>
+          </a:p>
+        </p:txBody>
+      </p:sp>
+      <p:sp>
+        <p:nvSpPr>
           <p:cNvPr id="2" name="Title 1"/>
           <p:cNvSpPr>
             <a:spLocks noGrp="1"/>
@@ -4891,16 +5962,315 @@
             <p:ph type="title"/>
           </p:nvPr>
         </p:nvSpPr>
-        <p:spPr/>
-        <p:txBody>
-          <a:bodyPr/>
-          <a:lstStyle/>
-          <a:p>
-            <a:r>
-              <a:rPr lang="en-GB" dirty="0" smtClean="0"/>
+        <p:spPr>
+          <a:xfrm>
+            <a:off x="394554" y="466578"/>
+            <a:ext cx="8354891" cy="930447"/>
+          </a:xfrm>
+        </p:spPr>
+        <p:txBody>
+          <a:bodyPr vert="horz" lIns="91440" tIns="45720" rIns="91440" bIns="45720" rtlCol="0" anchor="b">
+            <a:normAutofit/>
+          </a:bodyPr>
+          <a:lstStyle/>
+          <a:p>
+            <a:pPr>
+              <a:lnSpc>
+                <a:spcPct val="90000"/>
+              </a:lnSpc>
+            </a:pPr>
+            <a:r>
+              <a:rPr lang="en-US" sz="4700" kern="1200">
+                <a:solidFill>
+                  <a:srgbClr val="FFFFFF"/>
+                </a:solidFill>
+                <a:latin typeface="+mj-lt"/>
+                <a:ea typeface="+mj-ea"/>
+                <a:cs typeface="+mj-cs"/>
+              </a:rPr>
               <a:t>Perception</a:t>
             </a:r>
-            <a:endParaRPr lang="en-GB" dirty="0"/>
+          </a:p>
+        </p:txBody>
+      </p:sp>
+      <p:cxnSp>
+        <p:nvCxnSpPr>
+          <p:cNvPr id="13" name="Straight Connector 12">
+            <a:extLst>
+              <a:ext uri="{FF2B5EF4-FFF2-40B4-BE49-F238E27FC236}">
+                <a16:creationId xmlns:a16="http://schemas.microsoft.com/office/drawing/2014/main" id="{7E7C77BC-7138-40B1-A15B-20F57A494629}"/>
+              </a:ext>
+              <a:ext uri="{C183D7F6-B498-43B3-948B-1728B52AA6E4}">
+                <adec:decorative xmlns:adec="http://schemas.microsoft.com/office/drawing/2017/decorative" val="1"/>
+              </a:ext>
+            </a:extLst>
+          </p:cNvPr>
+          <p:cNvCxnSpPr>
+            <a:cxnSpLocks noGrp="1" noRot="1" noChangeAspect="1" noMove="1" noResize="1" noEditPoints="1" noAdjustHandles="1" noChangeArrowheads="1" noChangeShapeType="1"/>
+          </p:cNvCxnSpPr>
+          <p:nvPr>
+            <p:extLst>
+              <p:ext uri="{386F3935-93C4-4BCD-93E2-E3B085C9AB24}">
+                <p16:designElem xmlns:p16="http://schemas.microsoft.com/office/powerpoint/2015/main" val="1"/>
+              </p:ext>
+            </p:extLst>
+          </p:nvPr>
+        </p:nvCxnSpPr>
+        <p:spPr>
+          <a:xfrm>
+            <a:off x="1657350" y="1448631"/>
+            <a:ext cx="5829300" cy="0"/>
+          </a:xfrm>
+          <a:prstGeom prst="line">
+            <a:avLst/>
+          </a:prstGeom>
+          <a:ln w="22225">
+            <a:solidFill>
+              <a:srgbClr val="D9D9D9"/>
+            </a:solidFill>
+          </a:ln>
+        </p:spPr>
+        <p:style>
+          <a:lnRef idx="1">
+            <a:schemeClr val="accent1"/>
+          </a:lnRef>
+          <a:fillRef idx="0">
+            <a:schemeClr val="accent1"/>
+          </a:fillRef>
+          <a:effectRef idx="0">
+            <a:schemeClr val="accent1"/>
+          </a:effectRef>
+          <a:fontRef idx="minor">
+            <a:schemeClr val="tx1"/>
+          </a:fontRef>
+        </p:style>
+      </p:cxnSp>
+      <p:pic>
+        <p:nvPicPr>
+          <p:cNvPr id="6" name="Picture 5">
+            <a:extLst>
+              <a:ext uri="{FF2B5EF4-FFF2-40B4-BE49-F238E27FC236}">
+                <a16:creationId xmlns:a16="http://schemas.microsoft.com/office/drawing/2014/main" id="{9E0E72B1-00F4-423F-8E3F-4C5D4ECF52BE}"/>
+              </a:ext>
+            </a:extLst>
+          </p:cNvPr>
+          <p:cNvPicPr>
+            <a:picLocks noChangeAspect="1"/>
+          </p:cNvPicPr>
+          <p:nvPr/>
+        </p:nvPicPr>
+        <p:blipFill>
+          <a:blip r:embed="rId3">
+            <a:extLst>
+              <a:ext uri="{28A0092B-C50C-407E-A947-70E740481C1C}">
+                <a14:useLocalDpi xmlns:a14="http://schemas.microsoft.com/office/drawing/2010/main" val="0"/>
+              </a:ext>
+            </a:extLst>
+          </a:blip>
+          <a:stretch>
+            <a:fillRect/>
+          </a:stretch>
+        </p:blipFill>
+        <p:spPr>
+          <a:xfrm>
+            <a:off x="966013" y="2509911"/>
+            <a:ext cx="7170649" cy="3997637"/>
+          </a:xfrm>
+          <a:prstGeom prst="rect">
+            <a:avLst/>
+          </a:prstGeom>
+        </p:spPr>
+      </p:pic>
+    </p:spTree>
+    <p:extLst>
+      <p:ext uri="{BB962C8B-B14F-4D97-AF65-F5344CB8AC3E}">
+        <p14:creationId xmlns:p14="http://schemas.microsoft.com/office/powerpoint/2010/main" val="3817960076"/>
+      </p:ext>
+    </p:extLst>
+  </p:cSld>
+  <p:clrMapOvr>
+    <a:masterClrMapping/>
+  </p:clrMapOvr>
+</p:sld>
+</file>
+
+<file path=ppt/slides/slide6.xml><?xml version="1.0" encoding="utf-8"?>
+<p:sld xmlns:a="http://schemas.openxmlformats.org/drawingml/2006/main" xmlns:r="http://schemas.openxmlformats.org/officeDocument/2006/relationships" xmlns:p="http://schemas.openxmlformats.org/presentationml/2006/main">
+  <p:cSld>
+    <p:bg>
+      <p:bgPr>
+        <a:solidFill>
+          <a:schemeClr val="bg1"/>
+        </a:solidFill>
+        <a:effectLst/>
+      </p:bgPr>
+    </p:bg>
+    <p:spTree>
+      <p:nvGrpSpPr>
+        <p:cNvPr id="1" name=""/>
+        <p:cNvGrpSpPr/>
+        <p:nvPr/>
+      </p:nvGrpSpPr>
+      <p:grpSpPr>
+        <a:xfrm>
+          <a:off x="0" y="0"/>
+          <a:ext cx="0" cy="0"/>
+          <a:chOff x="0" y="0"/>
+          <a:chExt cx="0" cy="0"/>
+        </a:xfrm>
+      </p:grpSpPr>
+      <p:cxnSp>
+        <p:nvCxnSpPr>
+          <p:cNvPr id="71" name="Straight Connector 70">
+            <a:extLst>
+              <a:ext uri="{FF2B5EF4-FFF2-40B4-BE49-F238E27FC236}">
+                <a16:creationId xmlns:a16="http://schemas.microsoft.com/office/drawing/2014/main" id="{DB146403-F3D6-484B-B2ED-97F9565D0370}"/>
+              </a:ext>
+              <a:ext uri="{C183D7F6-B498-43B3-948B-1728B52AA6E4}">
+                <adec:decorative xmlns:adec="http://schemas.microsoft.com/office/drawing/2017/decorative" val="1"/>
+              </a:ext>
+            </a:extLst>
+          </p:cNvPr>
+          <p:cNvCxnSpPr>
+            <a:cxnSpLocks noGrp="1" noRot="1" noChangeAspect="1" noMove="1" noResize="1" noEditPoints="1" noAdjustHandles="1" noChangeArrowheads="1" noChangeShapeType="1"/>
+          </p:cNvCxnSpPr>
+          <p:nvPr>
+            <p:extLst>
+              <p:ext uri="{386F3935-93C4-4BCD-93E2-E3B085C9AB24}">
+                <p16:designElem xmlns:p16="http://schemas.microsoft.com/office/powerpoint/2015/main" val="1"/>
+              </p:ext>
+            </p:extLst>
+          </p:nvPr>
+        </p:nvCxnSpPr>
+        <p:spPr>
+          <a:xfrm>
+            <a:off x="4572000" y="477749"/>
+            <a:ext cx="0" cy="3657600"/>
+          </a:xfrm>
+          <a:prstGeom prst="line">
+            <a:avLst/>
+          </a:prstGeom>
+          <a:ln w="101600" cmpd="dbl">
+            <a:solidFill>
+              <a:srgbClr val="595959"/>
+            </a:solidFill>
+          </a:ln>
+        </p:spPr>
+        <p:style>
+          <a:lnRef idx="1">
+            <a:schemeClr val="accent1"/>
+          </a:lnRef>
+          <a:fillRef idx="0">
+            <a:schemeClr val="accent1"/>
+          </a:fillRef>
+          <a:effectRef idx="0">
+            <a:schemeClr val="accent1"/>
+          </a:effectRef>
+          <a:fontRef idx="minor">
+            <a:schemeClr val="tx1"/>
+          </a:fontRef>
+        </p:style>
+      </p:cxnSp>
+      <p:sp>
+        <p:nvSpPr>
+          <p:cNvPr id="73" name="Rectangle 72">
+            <a:extLst>
+              <a:ext uri="{FF2B5EF4-FFF2-40B4-BE49-F238E27FC236}">
+                <a16:creationId xmlns:a16="http://schemas.microsoft.com/office/drawing/2014/main" id="{823AC064-BC96-4F32-8AE1-B2FD38754823}"/>
+              </a:ext>
+              <a:ext uri="{C183D7F6-B498-43B3-948B-1728B52AA6E4}">
+                <adec:decorative xmlns:adec="http://schemas.microsoft.com/office/drawing/2017/decorative" val="1"/>
+              </a:ext>
+            </a:extLst>
+          </p:cNvPr>
+          <p:cNvSpPr>
+            <a:spLocks noGrp="1" noRot="1" noChangeAspect="1" noMove="1" noResize="1" noEditPoints="1" noAdjustHandles="1" noChangeArrowheads="1" noChangeShapeType="1" noTextEdit="1"/>
+          </p:cNvSpPr>
+          <p:nvPr>
+            <p:extLst>
+              <p:ext uri="{386F3935-93C4-4BCD-93E2-E3B085C9AB24}">
+                <p16:designElem xmlns:p16="http://schemas.microsoft.com/office/powerpoint/2015/main" val="1"/>
+              </p:ext>
+            </p:extLst>
+          </p:nvPr>
+        </p:nvSpPr>
+        <p:spPr bwMode="ltGray">
+          <a:xfrm>
+            <a:off x="283551" y="4633546"/>
+            <a:ext cx="8579094" cy="1844256"/>
+          </a:xfrm>
+          <a:prstGeom prst="rect">
+            <a:avLst/>
+          </a:prstGeom>
+          <a:solidFill>
+            <a:srgbClr val="404040"/>
+          </a:solidFill>
+          <a:ln w="127000" cap="sq" cmpd="thinThick">
+            <a:solidFill>
+              <a:srgbClr val="404040"/>
+            </a:solidFill>
+          </a:ln>
+        </p:spPr>
+        <p:style>
+          <a:lnRef idx="2">
+            <a:schemeClr val="accent1">
+              <a:shade val="50000"/>
+            </a:schemeClr>
+          </a:lnRef>
+          <a:fillRef idx="1">
+            <a:schemeClr val="accent1"/>
+          </a:fillRef>
+          <a:effectRef idx="0">
+            <a:schemeClr val="accent1"/>
+          </a:effectRef>
+          <a:fontRef idx="minor">
+            <a:schemeClr val="lt1"/>
+          </a:fontRef>
+        </p:style>
+        <p:txBody>
+          <a:bodyPr rtlCol="0" anchor="ctr"/>
+          <a:lstStyle/>
+          <a:p>
+            <a:pPr algn="ctr"/>
+            <a:endParaRPr lang="en-US"/>
+          </a:p>
+        </p:txBody>
+      </p:sp>
+      <p:sp>
+        <p:nvSpPr>
+          <p:cNvPr id="2" name="Title 1"/>
+          <p:cNvSpPr>
+            <a:spLocks noGrp="1"/>
+          </p:cNvSpPr>
+          <p:nvPr>
+            <p:ph type="title"/>
+          </p:nvPr>
+        </p:nvSpPr>
+        <p:spPr>
+          <a:xfrm>
+            <a:off x="395653" y="4756638"/>
+            <a:ext cx="8354891" cy="930447"/>
+          </a:xfrm>
+        </p:spPr>
+        <p:txBody>
+          <a:bodyPr vert="horz" lIns="91440" tIns="45720" rIns="91440" bIns="45720" rtlCol="0" anchor="b">
+            <a:normAutofit/>
+          </a:bodyPr>
+          <a:lstStyle/>
+          <a:p>
+            <a:pPr>
+              <a:lnSpc>
+                <a:spcPct val="90000"/>
+              </a:lnSpc>
+            </a:pPr>
+            <a:r>
+              <a:rPr lang="en-US" sz="4700">
+                <a:solidFill>
+                  <a:srgbClr val="FFFFFF"/>
+                </a:solidFill>
+              </a:rPr>
+              <a:t>Perception</a:t>
+            </a:r>
           </a:p>
         </p:txBody>
       </p:sp>
@@ -4929,16 +6299,13 @@
         </p:blipFill>
         <p:spPr bwMode="auto">
           <a:xfrm>
-            <a:off x="2839967" y="1484784"/>
-            <a:ext cx="2911228" cy="3997647"/>
+            <a:off x="831858" y="307731"/>
+            <a:ext cx="2908280" cy="3997637"/>
           </a:xfrm>
           <a:prstGeom prst="rect">
             <a:avLst/>
           </a:prstGeom>
           <a:noFill/>
-          <a:ln>
-            <a:noFill/>
-          </a:ln>
           <a:extLst>
             <a:ext uri="{909E8E84-426E-40DD-AFC4-6F175D3DCCD1}">
               <a14:hiddenFill xmlns:a14="http://schemas.microsoft.com/office/drawing/2010/main">
@@ -4960,6 +6327,94 @@
           </a:extLst>
         </p:spPr>
       </p:pic>
+      <p:pic>
+        <p:nvPicPr>
+          <p:cNvPr id="4" name="Picture 3">
+            <a:extLst>
+              <a:ext uri="{FF2B5EF4-FFF2-40B4-BE49-F238E27FC236}">
+                <a16:creationId xmlns:a16="http://schemas.microsoft.com/office/drawing/2014/main" id="{B7E6E3FF-72CD-453F-A7C7-66090322BC72}"/>
+              </a:ext>
+            </a:extLst>
+          </p:cNvPr>
+          <p:cNvPicPr>
+            <a:picLocks noChangeAspect="1"/>
+          </p:cNvPicPr>
+          <p:nvPr/>
+        </p:nvPicPr>
+        <p:blipFill>
+          <a:blip r:embed="rId4">
+            <a:extLst>
+              <a:ext uri="{28A0092B-C50C-407E-A947-70E740481C1C}">
+                <a14:useLocalDpi xmlns:a14="http://schemas.microsoft.com/office/drawing/2010/main" val="0"/>
+              </a:ext>
+            </a:extLst>
+          </a:blip>
+          <a:stretch>
+            <a:fillRect/>
+          </a:stretch>
+        </p:blipFill>
+        <p:spPr>
+          <a:xfrm>
+            <a:off x="4812032" y="1078968"/>
+            <a:ext cx="4091938" cy="2455162"/>
+          </a:xfrm>
+          <a:prstGeom prst="rect">
+            <a:avLst/>
+          </a:prstGeom>
+        </p:spPr>
+      </p:pic>
+      <p:cxnSp>
+        <p:nvCxnSpPr>
+          <p:cNvPr id="75" name="Straight Connector 74">
+            <a:extLst>
+              <a:ext uri="{FF2B5EF4-FFF2-40B4-BE49-F238E27FC236}">
+                <a16:creationId xmlns:a16="http://schemas.microsoft.com/office/drawing/2014/main" id="{7E7C77BC-7138-40B1-A15B-20F57A494629}"/>
+              </a:ext>
+              <a:ext uri="{C183D7F6-B498-43B3-948B-1728B52AA6E4}">
+                <adec:decorative xmlns:adec="http://schemas.microsoft.com/office/drawing/2017/decorative" val="1"/>
+              </a:ext>
+            </a:extLst>
+          </p:cNvPr>
+          <p:cNvCxnSpPr>
+            <a:cxnSpLocks noGrp="1" noRot="1" noChangeAspect="1" noMove="1" noResize="1" noEditPoints="1" noAdjustHandles="1" noChangeArrowheads="1" noChangeShapeType="1"/>
+          </p:cNvCxnSpPr>
+          <p:nvPr>
+            <p:extLst>
+              <p:ext uri="{386F3935-93C4-4BCD-93E2-E3B085C9AB24}">
+                <p16:designElem xmlns:p16="http://schemas.microsoft.com/office/powerpoint/2015/main" val="1"/>
+              </p:ext>
+            </p:extLst>
+          </p:nvPr>
+        </p:nvCxnSpPr>
+        <p:spPr>
+          <a:xfrm>
+            <a:off x="1657350" y="5738691"/>
+            <a:ext cx="5829300" cy="0"/>
+          </a:xfrm>
+          <a:prstGeom prst="line">
+            <a:avLst/>
+          </a:prstGeom>
+          <a:ln w="22225">
+            <a:solidFill>
+              <a:srgbClr val="D9D9D9"/>
+            </a:solidFill>
+          </a:ln>
+        </p:spPr>
+        <p:style>
+          <a:lnRef idx="1">
+            <a:schemeClr val="accent1"/>
+          </a:lnRef>
+          <a:fillRef idx="0">
+            <a:schemeClr val="accent1"/>
+          </a:fillRef>
+          <a:effectRef idx="0">
+            <a:schemeClr val="accent1"/>
+          </a:effectRef>
+          <a:fontRef idx="minor">
+            <a:schemeClr val="tx1"/>
+          </a:fontRef>
+        </p:style>
+      </p:cxnSp>
     </p:spTree>
     <p:extLst>
       <p:ext uri="{BB962C8B-B14F-4D97-AF65-F5344CB8AC3E}">
@@ -4973,7 +6428,227 @@
 </p:sld>
 </file>
 
-<file path=ppt/slides/slide6.xml><?xml version="1.0" encoding="utf-8"?>
+<file path=ppt/slides/slide7.xml><?xml version="1.0" encoding="utf-8"?>
+<p:sld xmlns:a="http://schemas.openxmlformats.org/drawingml/2006/main" xmlns:r="http://schemas.openxmlformats.org/officeDocument/2006/relationships" xmlns:p="http://schemas.openxmlformats.org/presentationml/2006/main">
+  <p:cSld>
+    <p:bg>
+      <p:bgPr>
+        <a:solidFill>
+          <a:srgbClr val="FFFFFF"/>
+        </a:solidFill>
+        <a:effectLst/>
+      </p:bgPr>
+    </p:bg>
+    <p:spTree>
+      <p:nvGrpSpPr>
+        <p:cNvPr id="1" name=""/>
+        <p:cNvGrpSpPr/>
+        <p:nvPr/>
+      </p:nvGrpSpPr>
+      <p:grpSpPr>
+        <a:xfrm>
+          <a:off x="0" y="0"/>
+          <a:ext cx="0" cy="0"/>
+          <a:chOff x="0" y="0"/>
+          <a:chExt cx="0" cy="0"/>
+        </a:xfrm>
+      </p:grpSpPr>
+      <p:sp>
+        <p:nvSpPr>
+          <p:cNvPr id="22" name="Rectangle 15">
+            <a:extLst>
+              <a:ext uri="{FF2B5EF4-FFF2-40B4-BE49-F238E27FC236}">
+                <a16:creationId xmlns:a16="http://schemas.microsoft.com/office/drawing/2014/main" id="{72257994-BD97-4691-8B89-198A6D2BABDC}"/>
+              </a:ext>
+              <a:ext uri="{C183D7F6-B498-43B3-948B-1728B52AA6E4}">
+                <adec:decorative xmlns:adec="http://schemas.microsoft.com/office/drawing/2017/decorative" val="1"/>
+              </a:ext>
+            </a:extLst>
+          </p:cNvPr>
+          <p:cNvSpPr>
+            <a:spLocks noGrp="1" noRot="1" noChangeAspect="1" noMove="1" noResize="1" noEditPoints="1" noAdjustHandles="1" noChangeArrowheads="1" noChangeShapeType="1" noTextEdit="1"/>
+          </p:cNvSpPr>
+          <p:nvPr>
+            <p:extLst>
+              <p:ext uri="{386F3935-93C4-4BCD-93E2-E3B085C9AB24}">
+                <p16:designElem xmlns:p16="http://schemas.microsoft.com/office/powerpoint/2015/main" val="1"/>
+              </p:ext>
+            </p:extLst>
+          </p:nvPr>
+        </p:nvSpPr>
+        <p:spPr>
+          <a:xfrm>
+            <a:off x="0" y="4918509"/>
+            <a:ext cx="9144000" cy="1939491"/>
+          </a:xfrm>
+          <a:prstGeom prst="rect">
+            <a:avLst/>
+          </a:prstGeom>
+          <a:solidFill>
+            <a:srgbClr val="404040"/>
+          </a:solidFill>
+          <a:ln>
+            <a:noFill/>
+          </a:ln>
+        </p:spPr>
+        <p:style>
+          <a:lnRef idx="2">
+            <a:schemeClr val="accent1">
+              <a:shade val="50000"/>
+            </a:schemeClr>
+          </a:lnRef>
+          <a:fillRef idx="1">
+            <a:schemeClr val="accent1"/>
+          </a:fillRef>
+          <a:effectRef idx="0">
+            <a:schemeClr val="accent1"/>
+          </a:effectRef>
+          <a:fontRef idx="minor">
+            <a:schemeClr val="lt1"/>
+          </a:fontRef>
+        </p:style>
+        <p:txBody>
+          <a:bodyPr rtlCol="0" anchor="ctr"/>
+          <a:lstStyle/>
+          <a:p>
+            <a:pPr algn="ctr"/>
+            <a:endParaRPr lang="en-US"/>
+          </a:p>
+        </p:txBody>
+      </p:sp>
+      <p:sp>
+        <p:nvSpPr>
+          <p:cNvPr id="2" name="Title 1"/>
+          <p:cNvSpPr>
+            <a:spLocks noGrp="1"/>
+          </p:cNvSpPr>
+          <p:nvPr>
+            <p:ph type="title"/>
+          </p:nvPr>
+        </p:nvSpPr>
+        <p:spPr>
+          <a:xfrm>
+            <a:off x="1200150" y="4269282"/>
+            <a:ext cx="6743700" cy="1264762"/>
+          </a:xfrm>
+          <a:solidFill>
+            <a:srgbClr val="FFFFFF"/>
+          </a:solidFill>
+          <a:ln w="38100">
+            <a:solidFill>
+              <a:srgbClr val="404040"/>
+            </a:solidFill>
+            <a:miter lim="800000"/>
+          </a:ln>
+        </p:spPr>
+        <p:txBody>
+          <a:bodyPr vert="horz" lIns="91440" tIns="45720" rIns="91440" bIns="45720" rtlCol="0" anchor="ctr">
+            <a:normAutofit/>
+          </a:bodyPr>
+          <a:lstStyle/>
+          <a:p>
+            <a:pPr>
+              <a:lnSpc>
+                <a:spcPct val="90000"/>
+              </a:lnSpc>
+            </a:pPr>
+            <a:r>
+              <a:rPr lang="en-US" sz="3500">
+                <a:solidFill>
+                  <a:srgbClr val="404040"/>
+                </a:solidFill>
+              </a:rPr>
+              <a:t>Personalities</a:t>
+            </a:r>
+          </a:p>
+        </p:txBody>
+      </p:sp>
+      <p:pic>
+        <p:nvPicPr>
+          <p:cNvPr id="11" name="Picture 10">
+            <a:extLst>
+              <a:ext uri="{FF2B5EF4-FFF2-40B4-BE49-F238E27FC236}">
+                <a16:creationId xmlns:a16="http://schemas.microsoft.com/office/drawing/2014/main" id="{5489DADF-9C4D-49C6-83D5-5CA0C586D970}"/>
+              </a:ext>
+            </a:extLst>
+          </p:cNvPr>
+          <p:cNvPicPr>
+            <a:picLocks noChangeAspect="1"/>
+          </p:cNvPicPr>
+          <p:nvPr/>
+        </p:nvPicPr>
+        <p:blipFill>
+          <a:blip r:embed="rId3">
+            <a:extLst>
+              <a:ext uri="{28A0092B-C50C-407E-A947-70E740481C1C}">
+                <a14:useLocalDpi xmlns:a14="http://schemas.microsoft.com/office/drawing/2010/main" val="0"/>
+              </a:ext>
+            </a:extLst>
+          </a:blip>
+          <a:stretch>
+            <a:fillRect/>
+          </a:stretch>
+        </p:blipFill>
+        <p:spPr>
+          <a:xfrm>
+            <a:off x="251520" y="566674"/>
+            <a:ext cx="3968750" cy="3343671"/>
+          </a:xfrm>
+          <a:prstGeom prst="rect">
+            <a:avLst/>
+          </a:prstGeom>
+        </p:spPr>
+      </p:pic>
+      <p:pic>
+        <p:nvPicPr>
+          <p:cNvPr id="9" name="Picture 8">
+            <a:extLst>
+              <a:ext uri="{FF2B5EF4-FFF2-40B4-BE49-F238E27FC236}">
+                <a16:creationId xmlns:a16="http://schemas.microsoft.com/office/drawing/2014/main" id="{42BF225E-DCFB-4110-8A9F-0B9CA2D0788D}"/>
+              </a:ext>
+            </a:extLst>
+          </p:cNvPr>
+          <p:cNvPicPr>
+            <a:picLocks noChangeAspect="1"/>
+          </p:cNvPicPr>
+          <p:nvPr/>
+        </p:nvPicPr>
+        <p:blipFill>
+          <a:blip r:embed="rId4">
+            <a:extLst>
+              <a:ext uri="{28A0092B-C50C-407E-A947-70E740481C1C}">
+                <a14:useLocalDpi xmlns:a14="http://schemas.microsoft.com/office/drawing/2010/main" val="0"/>
+              </a:ext>
+            </a:extLst>
+          </a:blip>
+          <a:stretch>
+            <a:fillRect/>
+          </a:stretch>
+        </p:blipFill>
+        <p:spPr>
+          <a:xfrm>
+            <a:off x="4572000" y="443579"/>
+            <a:ext cx="4541867" cy="3633493"/>
+          </a:xfrm>
+          <a:prstGeom prst="rect">
+            <a:avLst/>
+          </a:prstGeom>
+        </p:spPr>
+      </p:pic>
+    </p:spTree>
+    <p:extLst>
+      <p:ext uri="{BB962C8B-B14F-4D97-AF65-F5344CB8AC3E}">
+        <p14:creationId xmlns:p14="http://schemas.microsoft.com/office/powerpoint/2010/main" val="1901486092"/>
+      </p:ext>
+    </p:extLst>
+  </p:cSld>
+  <p:clrMapOvr>
+    <a:masterClrMapping/>
+  </p:clrMapOvr>
+</p:sld>
+</file>
+
+<file path=ppt/slides/slide8.xml><?xml version="1.0" encoding="utf-8"?>
 <p:sld xmlns:a="http://schemas.openxmlformats.org/drawingml/2006/main" xmlns:r="http://schemas.openxmlformats.org/officeDocument/2006/relationships" xmlns:p="http://schemas.openxmlformats.org/presentationml/2006/main">
   <p:cSld>
     <p:spTree>
@@ -5006,11 +6681,11 @@
           <a:lstStyle/>
           <a:p>
             <a:r>
-              <a:rPr lang="en-GB" dirty="0" smtClean="0"/>
+              <a:rPr lang="en-GB" dirty="0"/>
               <a:t>Group </a:t>
             </a:r>
             <a:r>
-              <a:rPr lang="en-GB" dirty="0" err="1" smtClean="0"/>
+              <a:rPr lang="en-GB" dirty="0" err="1"/>
               <a:t>excercise</a:t>
             </a:r>
             <a:endParaRPr lang="en-GB" dirty="0"/>
@@ -5033,38 +6708,29 @@
           <a:lstStyle/>
           <a:p>
             <a:r>
-              <a:rPr lang="en-GB" dirty="0" smtClean="0"/>
-              <a:t>Each </a:t>
-            </a:r>
-            <a:r>
-              <a:rPr lang="en-GB" dirty="0" err="1" smtClean="0"/>
-              <a:t>apprenctice</a:t>
-            </a:r>
-            <a:r>
-              <a:rPr lang="en-GB" dirty="0" smtClean="0"/>
-              <a:t> starts with randomly selected cards</a:t>
-            </a:r>
-          </a:p>
-          <a:p>
-            <a:r>
-              <a:rPr lang="en-GB" dirty="0" smtClean="0"/>
+              <a:rPr lang="en-GB" dirty="0"/>
+              <a:t>Each apprentice starts with randomly selected cards</a:t>
+            </a:r>
+          </a:p>
+          <a:p>
+            <a:r>
+              <a:rPr lang="en-GB" dirty="0"/>
               <a:t>Look at each card</a:t>
             </a:r>
           </a:p>
           <a:p>
             <a:pPr lvl="1"/>
             <a:r>
-              <a:rPr lang="en-GB" dirty="0" smtClean="0"/>
+              <a:rPr lang="en-GB" dirty="0"/>
               <a:t>If it applies to you, keep it</a:t>
             </a:r>
           </a:p>
           <a:p>
             <a:pPr lvl="1"/>
             <a:r>
-              <a:rPr lang="en-GB" dirty="0" smtClean="0"/>
+              <a:rPr lang="en-GB" dirty="0"/>
               <a:t>If not give it, to someone it does apply to</a:t>
             </a:r>
-            <a:endParaRPr lang="en-GB" dirty="0"/>
           </a:p>
         </p:txBody>
       </p:sp>
@@ -5078,17 +6744,10 @@
   <p:clrMapOvr>
     <a:masterClrMapping/>
   </p:clrMapOvr>
-  <p:timing>
-    <p:tnLst>
-      <p:par>
-        <p:cTn id="1" dur="indefinite" restart="never" nodeType="tmRoot"/>
-      </p:par>
-    </p:tnLst>
-  </p:timing>
 </p:sld>
 </file>
 
-<file path=ppt/slides/slide7.xml><?xml version="1.0" encoding="utf-8"?>
+<file path=ppt/slides/slide9.xml><?xml version="1.0" encoding="utf-8"?>
 <p:sld xmlns:a="http://schemas.openxmlformats.org/drawingml/2006/main" xmlns:r="http://schemas.openxmlformats.org/officeDocument/2006/relationships" xmlns:p="http://schemas.openxmlformats.org/presentationml/2006/main">
   <p:cSld>
     <p:spTree>
@@ -5121,10 +6780,9 @@
           <a:lstStyle/>
           <a:p>
             <a:r>
-              <a:rPr lang="en-GB" dirty="0" smtClean="0"/>
+              <a:rPr lang="en-GB" dirty="0"/>
               <a:t>Colour Energies on a good day</a:t>
             </a:r>
-            <a:endParaRPr lang="en-GB" dirty="0"/>
           </a:p>
         </p:txBody>
       </p:sp>
@@ -5151,28 +6809,27 @@
           <a:lstStyle/>
           <a:p>
             <a:r>
-              <a:rPr lang="en-GB" dirty="0" smtClean="0"/>
+              <a:rPr lang="en-GB" dirty="0"/>
               <a:t>Cautious, precise, deliberate, questioning, formal</a:t>
             </a:r>
           </a:p>
           <a:p>
             <a:r>
-              <a:rPr lang="en-GB" dirty="0" smtClean="0"/>
+              <a:rPr lang="en-GB" dirty="0"/>
               <a:t>Competitive, demanding, determined, string-willed, purposeful</a:t>
             </a:r>
           </a:p>
           <a:p>
             <a:r>
-              <a:rPr lang="en-GB" dirty="0" smtClean="0"/>
+              <a:rPr lang="en-GB" dirty="0"/>
               <a:t>Persuasive, demonstrative, sociable, enthusiastic, dynamic</a:t>
             </a:r>
           </a:p>
           <a:p>
             <a:r>
-              <a:rPr lang="en-GB" dirty="0" smtClean="0"/>
+              <a:rPr lang="en-GB" dirty="0"/>
               <a:t>Caring, encouraging, sharing, patient, relaxed</a:t>
             </a:r>
-            <a:endParaRPr lang="en-GB" dirty="0"/>
           </a:p>
         </p:txBody>
       </p:sp>
@@ -5213,10 +6870,9 @@
           <a:p>
             <a:pPr algn="ctr"/>
             <a:r>
-              <a:rPr lang="en-GB" dirty="0" smtClean="0"/>
+              <a:rPr lang="en-GB" dirty="0"/>
               <a:t>Cool Blue</a:t>
             </a:r>
-            <a:endParaRPr lang="en-GB" dirty="0"/>
           </a:p>
         </p:txBody>
       </p:sp>
@@ -5260,14 +6916,13 @@
           <a:p>
             <a:pPr algn="ctr"/>
             <a:r>
-              <a:rPr lang="en-GB" dirty="0" err="1" smtClean="0"/>
+              <a:rPr lang="en-GB" dirty="0" err="1"/>
               <a:t>Firey</a:t>
             </a:r>
             <a:r>
-              <a:rPr lang="en-GB" dirty="0" smtClean="0"/>
+              <a:rPr lang="en-GB" dirty="0"/>
               <a:t> Red</a:t>
             </a:r>
-            <a:endParaRPr lang="en-GB" dirty="0"/>
           </a:p>
         </p:txBody>
       </p:sp>
@@ -5311,18 +6966,13 @@
           <a:p>
             <a:pPr algn="ctr"/>
             <a:r>
-              <a:rPr lang="en-GB" dirty="0" smtClean="0">
+              <a:rPr lang="en-GB" dirty="0">
                 <a:solidFill>
                   <a:schemeClr val="tx1"/>
                 </a:solidFill>
               </a:rPr>
               <a:t>Sunshine Yellow</a:t>
             </a:r>
-            <a:endParaRPr lang="en-GB" dirty="0">
-              <a:solidFill>
-                <a:schemeClr val="tx1"/>
-              </a:solidFill>
-            </a:endParaRPr>
           </a:p>
         </p:txBody>
       </p:sp>
@@ -5366,10 +7016,9 @@
           <a:p>
             <a:pPr algn="ctr"/>
             <a:r>
-              <a:rPr lang="en-GB" dirty="0" smtClean="0"/>
+              <a:rPr lang="en-GB" dirty="0"/>
               <a:t>Earth Green</a:t>
             </a:r>
-            <a:endParaRPr lang="en-GB" dirty="0"/>
           </a:p>
         </p:txBody>
       </p:sp>
@@ -5383,708 +7032,6 @@
   <p:clrMapOvr>
     <a:masterClrMapping/>
   </p:clrMapOvr>
-  <p:timing>
-    <p:tnLst>
-      <p:par>
-        <p:cTn id="1" dur="indefinite" restart="never" nodeType="tmRoot"/>
-      </p:par>
-    </p:tnLst>
-  </p:timing>
-</p:sld>
-</file>
-
-<file path=ppt/slides/slide8.xml><?xml version="1.0" encoding="utf-8"?>
-<p:sld xmlns:a="http://schemas.openxmlformats.org/drawingml/2006/main" xmlns:r="http://schemas.openxmlformats.org/officeDocument/2006/relationships" xmlns:p="http://schemas.openxmlformats.org/presentationml/2006/main">
-  <p:cSld>
-    <p:spTree>
-      <p:nvGrpSpPr>
-        <p:cNvPr id="1" name=""/>
-        <p:cNvGrpSpPr/>
-        <p:nvPr/>
-      </p:nvGrpSpPr>
-      <p:grpSpPr>
-        <a:xfrm>
-          <a:off x="0" y="0"/>
-          <a:ext cx="0" cy="0"/>
-          <a:chOff x="0" y="0"/>
-          <a:chExt cx="0" cy="0"/>
-        </a:xfrm>
-      </p:grpSpPr>
-      <p:sp>
-        <p:nvSpPr>
-          <p:cNvPr id="2" name="Title 1"/>
-          <p:cNvSpPr>
-            <a:spLocks noGrp="1"/>
-          </p:cNvSpPr>
-          <p:nvPr>
-            <p:ph type="title"/>
-          </p:nvPr>
-        </p:nvSpPr>
-        <p:spPr/>
-        <p:txBody>
-          <a:bodyPr/>
-          <a:lstStyle/>
-          <a:p>
-            <a:r>
-              <a:rPr lang="en-GB" dirty="0" smtClean="0"/>
-              <a:t>Colour Examples</a:t>
-            </a:r>
-            <a:endParaRPr lang="en-GB" dirty="0"/>
-          </a:p>
-        </p:txBody>
-      </p:sp>
-      <p:pic>
-        <p:nvPicPr>
-          <p:cNvPr id="4098" name="Picture 2"/>
-          <p:cNvPicPr>
-            <a:picLocks noGrp="1" noChangeAspect="1" noChangeArrowheads="1"/>
-          </p:cNvPicPr>
-          <p:nvPr>
-            <p:ph idx="1"/>
-          </p:nvPr>
-        </p:nvPicPr>
-        <p:blipFill>
-          <a:blip r:embed="rId2" cstate="print">
-            <a:extLst>
-              <a:ext uri="{28A0092B-C50C-407E-A947-70E740481C1C}">
-                <a14:useLocalDpi xmlns:a14="http://schemas.microsoft.com/office/drawing/2010/main" val="0"/>
-              </a:ext>
-            </a:extLst>
-          </a:blip>
-          <a:srcRect/>
-          <a:stretch>
-            <a:fillRect/>
-          </a:stretch>
-        </p:blipFill>
-        <p:spPr bwMode="auto">
-          <a:xfrm>
-            <a:off x="539552" y="1402844"/>
-            <a:ext cx="1889760" cy="2834640"/>
-          </a:xfrm>
-          <a:prstGeom prst="rect">
-            <a:avLst/>
-          </a:prstGeom>
-          <a:noFill/>
-          <a:ln>
-            <a:noFill/>
-          </a:ln>
-          <a:extLst>
-            <a:ext uri="{909E8E84-426E-40DD-AFC4-6F175D3DCCD1}">
-              <a14:hiddenFill xmlns:a14="http://schemas.microsoft.com/office/drawing/2010/main">
-                <a:solidFill>
-                  <a:schemeClr val="accent1"/>
-                </a:solidFill>
-              </a14:hiddenFill>
-            </a:ext>
-            <a:ext uri="{91240B29-F687-4F45-9708-019B960494DF}">
-              <a14:hiddenLine xmlns:a14="http://schemas.microsoft.com/office/drawing/2010/main" w="9525">
-                <a:solidFill>
-                  <a:schemeClr val="tx1"/>
-                </a:solidFill>
-                <a:miter lim="800000"/>
-                <a:headEnd/>
-                <a:tailEnd/>
-              </a14:hiddenLine>
-            </a:ext>
-          </a:extLst>
-        </p:spPr>
-      </p:pic>
-      <p:pic>
-        <p:nvPicPr>
-          <p:cNvPr id="4100" name="Picture 4" descr="Image result for donald trump"/>
-          <p:cNvPicPr>
-            <a:picLocks noChangeAspect="1" noChangeArrowheads="1"/>
-          </p:cNvPicPr>
-          <p:nvPr/>
-        </p:nvPicPr>
-        <p:blipFill>
-          <a:blip r:embed="rId3">
-            <a:extLst>
-              <a:ext uri="{28A0092B-C50C-407E-A947-70E740481C1C}">
-                <a14:useLocalDpi xmlns:a14="http://schemas.microsoft.com/office/drawing/2010/main" val="0"/>
-              </a:ext>
-            </a:extLst>
-          </a:blip>
-          <a:srcRect/>
-          <a:stretch>
-            <a:fillRect/>
-          </a:stretch>
-        </p:blipFill>
-        <p:spPr bwMode="auto">
-          <a:xfrm>
-            <a:off x="2771800" y="1484784"/>
-            <a:ext cx="2857500" cy="1600200"/>
-          </a:xfrm>
-          <a:prstGeom prst="rect">
-            <a:avLst/>
-          </a:prstGeom>
-          <a:noFill/>
-          <a:extLst>
-            <a:ext uri="{909E8E84-426E-40DD-AFC4-6F175D3DCCD1}">
-              <a14:hiddenFill xmlns:a14="http://schemas.microsoft.com/office/drawing/2010/main">
-                <a:solidFill>
-                  <a:srgbClr val="FFFFFF"/>
-                </a:solidFill>
-              </a14:hiddenFill>
-            </a:ext>
-          </a:extLst>
-        </p:spPr>
-      </p:pic>
-      <p:sp>
-        <p:nvSpPr>
-          <p:cNvPr id="4" name="AutoShape 6" descr="Image result for mother teresa"/>
-          <p:cNvSpPr>
-            <a:spLocks noChangeAspect="1" noChangeArrowheads="1"/>
-          </p:cNvSpPr>
-          <p:nvPr/>
-        </p:nvSpPr>
-        <p:spPr bwMode="auto">
-          <a:xfrm>
-            <a:off x="155575" y="-144463"/>
-            <a:ext cx="304800" cy="304801"/>
-          </a:xfrm>
-          <a:prstGeom prst="rect">
-            <a:avLst/>
-          </a:prstGeom>
-          <a:noFill/>
-          <a:extLst>
-            <a:ext uri="{909E8E84-426E-40DD-AFC4-6F175D3DCCD1}">
-              <a14:hiddenFill xmlns:a14="http://schemas.microsoft.com/office/drawing/2010/main">
-                <a:solidFill>
-                  <a:srgbClr val="FFFFFF"/>
-                </a:solidFill>
-              </a14:hiddenFill>
-            </a:ext>
-          </a:extLst>
-        </p:spPr>
-        <p:txBody>
-          <a:bodyPr vert="horz" wrap="square" lIns="91440" tIns="45720" rIns="91440" bIns="45720" numCol="1" anchor="t" anchorCtr="0" compatLnSpc="1">
-            <a:prstTxWarp prst="textNoShape">
-              <a:avLst/>
-            </a:prstTxWarp>
-          </a:bodyPr>
-          <a:lstStyle/>
-          <a:p>
-            <a:endParaRPr lang="en-GB"/>
-          </a:p>
-        </p:txBody>
-      </p:sp>
-      <p:sp>
-        <p:nvSpPr>
-          <p:cNvPr id="5" name="AutoShape 8" descr="Image result for mother teresa"/>
-          <p:cNvSpPr>
-            <a:spLocks noChangeAspect="1" noChangeArrowheads="1"/>
-          </p:cNvSpPr>
-          <p:nvPr/>
-        </p:nvSpPr>
-        <p:spPr bwMode="auto">
-          <a:xfrm>
-            <a:off x="307975" y="7937"/>
-            <a:ext cx="304800" cy="304801"/>
-          </a:xfrm>
-          <a:prstGeom prst="rect">
-            <a:avLst/>
-          </a:prstGeom>
-          <a:noFill/>
-          <a:extLst>
-            <a:ext uri="{909E8E84-426E-40DD-AFC4-6F175D3DCCD1}">
-              <a14:hiddenFill xmlns:a14="http://schemas.microsoft.com/office/drawing/2010/main">
-                <a:solidFill>
-                  <a:srgbClr val="FFFFFF"/>
-                </a:solidFill>
-              </a14:hiddenFill>
-            </a:ext>
-          </a:extLst>
-        </p:spPr>
-        <p:txBody>
-          <a:bodyPr vert="horz" wrap="square" lIns="91440" tIns="45720" rIns="91440" bIns="45720" numCol="1" anchor="t" anchorCtr="0" compatLnSpc="1">
-            <a:prstTxWarp prst="textNoShape">
-              <a:avLst/>
-            </a:prstTxWarp>
-          </a:bodyPr>
-          <a:lstStyle/>
-          <a:p>
-            <a:endParaRPr lang="en-GB"/>
-          </a:p>
-        </p:txBody>
-      </p:sp>
-      <p:sp>
-        <p:nvSpPr>
-          <p:cNvPr id="6" name="AutoShape 10" descr="Image result for mother teresa"/>
-          <p:cNvSpPr>
-            <a:spLocks noChangeAspect="1" noChangeArrowheads="1"/>
-          </p:cNvSpPr>
-          <p:nvPr/>
-        </p:nvSpPr>
-        <p:spPr bwMode="auto">
-          <a:xfrm>
-            <a:off x="460375" y="160337"/>
-            <a:ext cx="304800" cy="304801"/>
-          </a:xfrm>
-          <a:prstGeom prst="rect">
-            <a:avLst/>
-          </a:prstGeom>
-          <a:noFill/>
-          <a:extLst>
-            <a:ext uri="{909E8E84-426E-40DD-AFC4-6F175D3DCCD1}">
-              <a14:hiddenFill xmlns:a14="http://schemas.microsoft.com/office/drawing/2010/main">
-                <a:solidFill>
-                  <a:srgbClr val="FFFFFF"/>
-                </a:solidFill>
-              </a14:hiddenFill>
-            </a:ext>
-          </a:extLst>
-        </p:spPr>
-        <p:txBody>
-          <a:bodyPr vert="horz" wrap="square" lIns="91440" tIns="45720" rIns="91440" bIns="45720" numCol="1" anchor="t" anchorCtr="0" compatLnSpc="1">
-            <a:prstTxWarp prst="textNoShape">
-              <a:avLst/>
-            </a:prstTxWarp>
-          </a:bodyPr>
-          <a:lstStyle/>
-          <a:p>
-            <a:endParaRPr lang="en-GB"/>
-          </a:p>
-        </p:txBody>
-      </p:sp>
-      <p:pic>
-        <p:nvPicPr>
-          <p:cNvPr id="4107" name="Picture 11"/>
-          <p:cNvPicPr>
-            <a:picLocks noChangeAspect="1" noChangeArrowheads="1"/>
-          </p:cNvPicPr>
-          <p:nvPr/>
-        </p:nvPicPr>
-        <p:blipFill>
-          <a:blip r:embed="rId4">
-            <a:extLst>
-              <a:ext uri="{28A0092B-C50C-407E-A947-70E740481C1C}">
-                <a14:useLocalDpi xmlns:a14="http://schemas.microsoft.com/office/drawing/2010/main" val="0"/>
-              </a:ext>
-            </a:extLst>
-          </a:blip>
-          <a:srcRect/>
-          <a:stretch>
-            <a:fillRect/>
-          </a:stretch>
-        </p:blipFill>
-        <p:spPr bwMode="auto">
-          <a:xfrm>
-            <a:off x="3131840" y="3356992"/>
-            <a:ext cx="2400300" cy="1905000"/>
-          </a:xfrm>
-          <a:prstGeom prst="rect">
-            <a:avLst/>
-          </a:prstGeom>
-          <a:noFill/>
-          <a:ln>
-            <a:noFill/>
-          </a:ln>
-          <a:extLst>
-            <a:ext uri="{909E8E84-426E-40DD-AFC4-6F175D3DCCD1}">
-              <a14:hiddenFill xmlns:a14="http://schemas.microsoft.com/office/drawing/2010/main">
-                <a:solidFill>
-                  <a:schemeClr val="accent1"/>
-                </a:solidFill>
-              </a14:hiddenFill>
-            </a:ext>
-            <a:ext uri="{91240B29-F687-4F45-9708-019B960494DF}">
-              <a14:hiddenLine xmlns:a14="http://schemas.microsoft.com/office/drawing/2010/main" w="9525">
-                <a:solidFill>
-                  <a:schemeClr val="tx1"/>
-                </a:solidFill>
-                <a:miter lim="800000"/>
-                <a:headEnd/>
-                <a:tailEnd/>
-              </a14:hiddenLine>
-            </a:ext>
-          </a:extLst>
-        </p:spPr>
-      </p:pic>
-      <p:pic>
-        <p:nvPicPr>
-          <p:cNvPr id="4108" name="Picture 12"/>
-          <p:cNvPicPr>
-            <a:picLocks noChangeAspect="1" noChangeArrowheads="1"/>
-          </p:cNvPicPr>
-          <p:nvPr/>
-        </p:nvPicPr>
-        <p:blipFill>
-          <a:blip r:embed="rId5">
-            <a:extLst>
-              <a:ext uri="{28A0092B-C50C-407E-A947-70E740481C1C}">
-                <a14:useLocalDpi xmlns:a14="http://schemas.microsoft.com/office/drawing/2010/main" val="0"/>
-              </a:ext>
-            </a:extLst>
-          </a:blip>
-          <a:srcRect/>
-          <a:stretch>
-            <a:fillRect/>
-          </a:stretch>
-        </p:blipFill>
-        <p:spPr bwMode="auto">
-          <a:xfrm>
-            <a:off x="5940152" y="2132856"/>
-            <a:ext cx="2790825" cy="1638300"/>
-          </a:xfrm>
-          <a:prstGeom prst="rect">
-            <a:avLst/>
-          </a:prstGeom>
-          <a:noFill/>
-          <a:ln>
-            <a:noFill/>
-          </a:ln>
-          <a:extLst>
-            <a:ext uri="{909E8E84-426E-40DD-AFC4-6F175D3DCCD1}">
-              <a14:hiddenFill xmlns:a14="http://schemas.microsoft.com/office/drawing/2010/main">
-                <a:solidFill>
-                  <a:schemeClr val="accent1"/>
-                </a:solidFill>
-              </a14:hiddenFill>
-            </a:ext>
-            <a:ext uri="{91240B29-F687-4F45-9708-019B960494DF}">
-              <a14:hiddenLine xmlns:a14="http://schemas.microsoft.com/office/drawing/2010/main" w="9525">
-                <a:solidFill>
-                  <a:schemeClr val="tx1"/>
-                </a:solidFill>
-                <a:miter lim="800000"/>
-                <a:headEnd/>
-                <a:tailEnd/>
-              </a14:hiddenLine>
-            </a:ext>
-          </a:extLst>
-        </p:spPr>
-      </p:pic>
-    </p:spTree>
-    <p:extLst>
-      <p:ext uri="{BB962C8B-B14F-4D97-AF65-F5344CB8AC3E}">
-        <p14:creationId xmlns:p14="http://schemas.microsoft.com/office/powerpoint/2010/main" val="2639912535"/>
-      </p:ext>
-    </p:extLst>
-  </p:cSld>
-  <p:clrMapOvr>
-    <a:masterClrMapping/>
-  </p:clrMapOvr>
-  <p:timing>
-    <p:tnLst>
-      <p:par>
-        <p:cTn id="1" dur="indefinite" restart="never" nodeType="tmRoot"/>
-      </p:par>
-    </p:tnLst>
-  </p:timing>
-</p:sld>
-</file>
-
-<file path=ppt/slides/slide9.xml><?xml version="1.0" encoding="utf-8"?>
-<p:sld xmlns:a="http://schemas.openxmlformats.org/drawingml/2006/main" xmlns:r="http://schemas.openxmlformats.org/officeDocument/2006/relationships" xmlns:p="http://schemas.openxmlformats.org/presentationml/2006/main">
-  <p:cSld>
-    <p:spTree>
-      <p:nvGrpSpPr>
-        <p:cNvPr id="1" name=""/>
-        <p:cNvGrpSpPr/>
-        <p:nvPr/>
-      </p:nvGrpSpPr>
-      <p:grpSpPr>
-        <a:xfrm>
-          <a:off x="0" y="0"/>
-          <a:ext cx="0" cy="0"/>
-          <a:chOff x="0" y="0"/>
-          <a:chExt cx="0" cy="0"/>
-        </a:xfrm>
-      </p:grpSpPr>
-      <p:sp>
-        <p:nvSpPr>
-          <p:cNvPr id="2" name="Title 1"/>
-          <p:cNvSpPr>
-            <a:spLocks noGrp="1"/>
-          </p:cNvSpPr>
-          <p:nvPr>
-            <p:ph type="title"/>
-          </p:nvPr>
-        </p:nvSpPr>
-        <p:spPr/>
-        <p:txBody>
-          <a:bodyPr/>
-          <a:lstStyle/>
-          <a:p>
-            <a:r>
-              <a:rPr lang="en-GB" dirty="0" smtClean="0"/>
-              <a:t>Colour Energies on a bad day</a:t>
-            </a:r>
-            <a:endParaRPr lang="en-GB" dirty="0"/>
-          </a:p>
-        </p:txBody>
-      </p:sp>
-      <p:sp>
-        <p:nvSpPr>
-          <p:cNvPr id="3" name="Content Placeholder 2"/>
-          <p:cNvSpPr>
-            <a:spLocks noGrp="1"/>
-          </p:cNvSpPr>
-          <p:nvPr>
-            <p:ph idx="1"/>
-          </p:nvPr>
-        </p:nvSpPr>
-        <p:spPr>
-          <a:xfrm>
-            <a:off x="3059832" y="1600200"/>
-            <a:ext cx="5626968" cy="4525963"/>
-          </a:xfrm>
-        </p:spPr>
-        <p:txBody>
-          <a:bodyPr>
-            <a:normAutofit lnSpcReduction="10000"/>
-          </a:bodyPr>
-          <a:lstStyle/>
-          <a:p>
-            <a:r>
-              <a:rPr lang="en-GB" dirty="0" smtClean="0"/>
-              <a:t>Stuffy, indecisive, cold, reserved</a:t>
-            </a:r>
-          </a:p>
-          <a:p>
-            <a:r>
-              <a:rPr lang="en-GB" dirty="0" smtClean="0"/>
-              <a:t>Aggressive, controlling, driving, overbearing, intolerant</a:t>
-            </a:r>
-          </a:p>
-          <a:p>
-            <a:r>
-              <a:rPr lang="en-GB" dirty="0" smtClean="0"/>
-              <a:t>Excitable, frantic, indiscreet, flamboyant, hasty</a:t>
-            </a:r>
-          </a:p>
-          <a:p>
-            <a:r>
-              <a:rPr lang="en-GB" dirty="0" smtClean="0"/>
-              <a:t>Docile, bland, plodding, reliant, stubborn</a:t>
-            </a:r>
-            <a:endParaRPr lang="en-GB" dirty="0"/>
-          </a:p>
-        </p:txBody>
-      </p:sp>
-      <p:sp>
-        <p:nvSpPr>
-          <p:cNvPr id="8" name="Rectangle 7"/>
-          <p:cNvSpPr/>
-          <p:nvPr/>
-        </p:nvSpPr>
-        <p:spPr>
-          <a:xfrm>
-            <a:off x="827584" y="1772816"/>
-            <a:ext cx="1440160" cy="648072"/>
-          </a:xfrm>
-          <a:prstGeom prst="rect">
-            <a:avLst/>
-          </a:prstGeom>
-        </p:spPr>
-        <p:style>
-          <a:lnRef idx="2">
-            <a:schemeClr val="accent1">
-              <a:shade val="50000"/>
-            </a:schemeClr>
-          </a:lnRef>
-          <a:fillRef idx="1">
-            <a:schemeClr val="accent1"/>
-          </a:fillRef>
-          <a:effectRef idx="0">
-            <a:schemeClr val="accent1"/>
-          </a:effectRef>
-          <a:fontRef idx="minor">
-            <a:schemeClr val="lt1"/>
-          </a:fontRef>
-        </p:style>
-        <p:txBody>
-          <a:bodyPr rtlCol="0" anchor="ctr"/>
-          <a:lstStyle/>
-          <a:p>
-            <a:pPr algn="ctr"/>
-            <a:r>
-              <a:rPr lang="en-GB" dirty="0">
-                <a:solidFill>
-                  <a:prstClr val="white"/>
-                </a:solidFill>
-              </a:rPr>
-              <a:t>Cool Blue</a:t>
-            </a:r>
-          </a:p>
-        </p:txBody>
-      </p:sp>
-      <p:sp>
-        <p:nvSpPr>
-          <p:cNvPr id="9" name="Rectangle 8"/>
-          <p:cNvSpPr/>
-          <p:nvPr/>
-        </p:nvSpPr>
-        <p:spPr>
-          <a:xfrm>
-            <a:off x="827584" y="2852936"/>
-            <a:ext cx="1440160" cy="648072"/>
-          </a:xfrm>
-          <a:prstGeom prst="rect">
-            <a:avLst/>
-          </a:prstGeom>
-          <a:solidFill>
-            <a:schemeClr val="accent2"/>
-          </a:solidFill>
-        </p:spPr>
-        <p:style>
-          <a:lnRef idx="2">
-            <a:schemeClr val="accent1">
-              <a:shade val="50000"/>
-            </a:schemeClr>
-          </a:lnRef>
-          <a:fillRef idx="1">
-            <a:schemeClr val="accent1"/>
-          </a:fillRef>
-          <a:effectRef idx="0">
-            <a:schemeClr val="accent1"/>
-          </a:effectRef>
-          <a:fontRef idx="minor">
-            <a:schemeClr val="lt1"/>
-          </a:fontRef>
-        </p:style>
-        <p:txBody>
-          <a:bodyPr rtlCol="0" anchor="ctr"/>
-          <a:lstStyle/>
-          <a:p>
-            <a:pPr algn="ctr"/>
-            <a:r>
-              <a:rPr lang="en-GB" dirty="0" err="1">
-                <a:solidFill>
-                  <a:prstClr val="white"/>
-                </a:solidFill>
-              </a:rPr>
-              <a:t>Firey</a:t>
-            </a:r>
-            <a:r>
-              <a:rPr lang="en-GB" dirty="0">
-                <a:solidFill>
-                  <a:prstClr val="white"/>
-                </a:solidFill>
-              </a:rPr>
-              <a:t> Red</a:t>
-            </a:r>
-          </a:p>
-        </p:txBody>
-      </p:sp>
-      <p:sp>
-        <p:nvSpPr>
-          <p:cNvPr id="10" name="Rectangle 9"/>
-          <p:cNvSpPr/>
-          <p:nvPr/>
-        </p:nvSpPr>
-        <p:spPr>
-          <a:xfrm>
-            <a:off x="827584" y="4149080"/>
-            <a:ext cx="1440160" cy="648072"/>
-          </a:xfrm>
-          <a:prstGeom prst="rect">
-            <a:avLst/>
-          </a:prstGeom>
-          <a:solidFill>
-            <a:srgbClr val="FFFF00"/>
-          </a:solidFill>
-        </p:spPr>
-        <p:style>
-          <a:lnRef idx="2">
-            <a:schemeClr val="accent1">
-              <a:shade val="50000"/>
-            </a:schemeClr>
-          </a:lnRef>
-          <a:fillRef idx="1">
-            <a:schemeClr val="accent1"/>
-          </a:fillRef>
-          <a:effectRef idx="0">
-            <a:schemeClr val="accent1"/>
-          </a:effectRef>
-          <a:fontRef idx="minor">
-            <a:schemeClr val="lt1"/>
-          </a:fontRef>
-        </p:style>
-        <p:txBody>
-          <a:bodyPr rtlCol="0" anchor="ctr"/>
-          <a:lstStyle/>
-          <a:p>
-            <a:pPr algn="ctr"/>
-            <a:r>
-              <a:rPr lang="en-GB" dirty="0">
-                <a:solidFill>
-                  <a:prstClr val="black"/>
-                </a:solidFill>
-              </a:rPr>
-              <a:t>Sunshine Yellow</a:t>
-            </a:r>
-          </a:p>
-        </p:txBody>
-      </p:sp>
-      <p:sp>
-        <p:nvSpPr>
-          <p:cNvPr id="11" name="Rectangle 10"/>
-          <p:cNvSpPr/>
-          <p:nvPr/>
-        </p:nvSpPr>
-        <p:spPr>
-          <a:xfrm>
-            <a:off x="827584" y="5157192"/>
-            <a:ext cx="1440160" cy="648072"/>
-          </a:xfrm>
-          <a:prstGeom prst="rect">
-            <a:avLst/>
-          </a:prstGeom>
-          <a:solidFill>
-            <a:srgbClr val="00B050"/>
-          </a:solidFill>
-        </p:spPr>
-        <p:style>
-          <a:lnRef idx="2">
-            <a:schemeClr val="accent1">
-              <a:shade val="50000"/>
-            </a:schemeClr>
-          </a:lnRef>
-          <a:fillRef idx="1">
-            <a:schemeClr val="accent1"/>
-          </a:fillRef>
-          <a:effectRef idx="0">
-            <a:schemeClr val="accent1"/>
-          </a:effectRef>
-          <a:fontRef idx="minor">
-            <a:schemeClr val="lt1"/>
-          </a:fontRef>
-        </p:style>
-        <p:txBody>
-          <a:bodyPr rtlCol="0" anchor="ctr"/>
-          <a:lstStyle/>
-          <a:p>
-            <a:pPr algn="ctr"/>
-            <a:r>
-              <a:rPr lang="en-GB" dirty="0">
-                <a:solidFill>
-                  <a:prstClr val="white"/>
-                </a:solidFill>
-              </a:rPr>
-              <a:t>Earth Green</a:t>
-            </a:r>
-          </a:p>
-        </p:txBody>
-      </p:sp>
-    </p:spTree>
-    <p:extLst>
-      <p:ext uri="{BB962C8B-B14F-4D97-AF65-F5344CB8AC3E}">
-        <p14:creationId xmlns:p14="http://schemas.microsoft.com/office/powerpoint/2010/main" val="2983715833"/>
-      </p:ext>
-    </p:extLst>
-  </p:cSld>
-  <p:clrMapOvr>
-    <a:masterClrMapping/>
-  </p:clrMapOvr>
-  <p:timing>
-    <p:tnLst>
-      <p:par>
-        <p:cTn id="1" dur="indefinite" restart="never" nodeType="tmRoot"/>
-      </p:par>
-    </p:tnLst>
-  </p:timing>
 </p:sld>
 </file>
 
